--- a/figures/Fig10_adaptive_management.pptx
+++ b/figures/Fig10_adaptive_management.pptx
@@ -6,12 +6,13 @@
   </p:sldMasterIdLst>
   <p:sldIdLst>
     <p:sldId id="256" r:id="rId2"/>
-    <p:sldId id="262" r:id="rId3"/>
-    <p:sldId id="257" r:id="rId4"/>
-    <p:sldId id="258" r:id="rId5"/>
-    <p:sldId id="259" r:id="rId6"/>
-    <p:sldId id="260" r:id="rId7"/>
-    <p:sldId id="261" r:id="rId8"/>
+    <p:sldId id="263" r:id="rId3"/>
+    <p:sldId id="262" r:id="rId4"/>
+    <p:sldId id="257" r:id="rId5"/>
+    <p:sldId id="258" r:id="rId6"/>
+    <p:sldId id="259" r:id="rId7"/>
+    <p:sldId id="260" r:id="rId8"/>
+    <p:sldId id="261" r:id="rId9"/>
   </p:sldIdLst>
   <p:sldSz cx="12192000" cy="6858000"/>
   <p:notesSz cx="6858000" cy="9144000"/>
@@ -265,7 +266,7 @@
           <a:p>
             <a:fld id="{9681B5AE-5861-274C-A053-3C9288DABB55}" type="datetimeFigureOut">
               <a:rPr lang="en-US" smtClean="0"/>
-              <a:t>9/25/24</a:t>
+              <a:t>10/21/24</a:t>
             </a:fld>
             <a:endParaRPr lang="en-US"/>
           </a:p>
@@ -463,7 +464,7 @@
           <a:p>
             <a:fld id="{9681B5AE-5861-274C-A053-3C9288DABB55}" type="datetimeFigureOut">
               <a:rPr lang="en-US" smtClean="0"/>
-              <a:t>9/25/24</a:t>
+              <a:t>10/21/24</a:t>
             </a:fld>
             <a:endParaRPr lang="en-US"/>
           </a:p>
@@ -671,7 +672,7 @@
           <a:p>
             <a:fld id="{9681B5AE-5861-274C-A053-3C9288DABB55}" type="datetimeFigureOut">
               <a:rPr lang="en-US" smtClean="0"/>
-              <a:t>9/25/24</a:t>
+              <a:t>10/21/24</a:t>
             </a:fld>
             <a:endParaRPr lang="en-US"/>
           </a:p>
@@ -869,7 +870,7 @@
           <a:p>
             <a:fld id="{9681B5AE-5861-274C-A053-3C9288DABB55}" type="datetimeFigureOut">
               <a:rPr lang="en-US" smtClean="0"/>
-              <a:t>9/25/24</a:t>
+              <a:t>10/21/24</a:t>
             </a:fld>
             <a:endParaRPr lang="en-US"/>
           </a:p>
@@ -1144,7 +1145,7 @@
           <a:p>
             <a:fld id="{9681B5AE-5861-274C-A053-3C9288DABB55}" type="datetimeFigureOut">
               <a:rPr lang="en-US" smtClean="0"/>
-              <a:t>9/25/24</a:t>
+              <a:t>10/21/24</a:t>
             </a:fld>
             <a:endParaRPr lang="en-US"/>
           </a:p>
@@ -1409,7 +1410,7 @@
           <a:p>
             <a:fld id="{9681B5AE-5861-274C-A053-3C9288DABB55}" type="datetimeFigureOut">
               <a:rPr lang="en-US" smtClean="0"/>
-              <a:t>9/25/24</a:t>
+              <a:t>10/21/24</a:t>
             </a:fld>
             <a:endParaRPr lang="en-US"/>
           </a:p>
@@ -1821,7 +1822,7 @@
           <a:p>
             <a:fld id="{9681B5AE-5861-274C-A053-3C9288DABB55}" type="datetimeFigureOut">
               <a:rPr lang="en-US" smtClean="0"/>
-              <a:t>9/25/24</a:t>
+              <a:t>10/21/24</a:t>
             </a:fld>
             <a:endParaRPr lang="en-US"/>
           </a:p>
@@ -1962,7 +1963,7 @@
           <a:p>
             <a:fld id="{9681B5AE-5861-274C-A053-3C9288DABB55}" type="datetimeFigureOut">
               <a:rPr lang="en-US" smtClean="0"/>
-              <a:t>9/25/24</a:t>
+              <a:t>10/21/24</a:t>
             </a:fld>
             <a:endParaRPr lang="en-US"/>
           </a:p>
@@ -2075,7 +2076,7 @@
           <a:p>
             <a:fld id="{9681B5AE-5861-274C-A053-3C9288DABB55}" type="datetimeFigureOut">
               <a:rPr lang="en-US" smtClean="0"/>
-              <a:t>9/25/24</a:t>
+              <a:t>10/21/24</a:t>
             </a:fld>
             <a:endParaRPr lang="en-US"/>
           </a:p>
@@ -2386,7 +2387,7 @@
           <a:p>
             <a:fld id="{9681B5AE-5861-274C-A053-3C9288DABB55}" type="datetimeFigureOut">
               <a:rPr lang="en-US" smtClean="0"/>
-              <a:t>9/25/24</a:t>
+              <a:t>10/21/24</a:t>
             </a:fld>
             <a:endParaRPr lang="en-US"/>
           </a:p>
@@ -2674,7 +2675,7 @@
           <a:p>
             <a:fld id="{9681B5AE-5861-274C-A053-3C9288DABB55}" type="datetimeFigureOut">
               <a:rPr lang="en-US" smtClean="0"/>
-              <a:t>9/25/24</a:t>
+              <a:t>10/21/24</a:t>
             </a:fld>
             <a:endParaRPr lang="en-US"/>
           </a:p>
@@ -2915,7 +2916,7 @@
           <a:p>
             <a:fld id="{9681B5AE-5861-274C-A053-3C9288DABB55}" type="datetimeFigureOut">
               <a:rPr lang="en-US" smtClean="0"/>
-              <a:t>9/25/24</a:t>
+              <a:t>10/21/24</a:t>
             </a:fld>
             <a:endParaRPr lang="en-US"/>
           </a:p>
@@ -3380,7 +3381,10 @@
           <a:lstStyle/>
           <a:p>
             <a:pPr algn="ctr"/>
-            <a:endParaRPr lang="en-US"/>
+            <a:endParaRPr lang="en-US">
+              <a:latin typeface="Arial" panose="020B0604020202020204" pitchFamily="34" charset="0"/>
+              <a:cs typeface="Arial" panose="020B0604020202020204" pitchFamily="34" charset="0"/>
+            </a:endParaRPr>
           </a:p>
         </p:txBody>
       </p:sp>
@@ -3644,7 +3648,10 @@
             <a:lstStyle/>
             <a:p>
               <a:pPr algn="ctr"/>
-              <a:endParaRPr lang="en-US"/>
+              <a:endParaRPr lang="en-US">
+                <a:latin typeface="Arial" panose="020B0604020202020204" pitchFamily="34" charset="0"/>
+                <a:cs typeface="Arial" panose="020B0604020202020204" pitchFamily="34" charset="0"/>
+              </a:endParaRPr>
             </a:p>
           </p:txBody>
         </p:sp>
@@ -3696,7 +3703,10 @@
             <a:lstStyle/>
             <a:p>
               <a:pPr algn="ctr"/>
-              <a:endParaRPr lang="en-US"/>
+              <a:endParaRPr lang="en-US">
+                <a:latin typeface="Arial" panose="020B0604020202020204" pitchFamily="34" charset="0"/>
+                <a:cs typeface="Arial" panose="020B0604020202020204" pitchFamily="34" charset="0"/>
+              </a:endParaRPr>
             </a:p>
           </p:txBody>
         </p:sp>
@@ -3748,7 +3758,10 @@
             <a:lstStyle/>
             <a:p>
               <a:pPr algn="ctr"/>
-              <a:endParaRPr lang="en-US"/>
+              <a:endParaRPr lang="en-US">
+                <a:latin typeface="Arial" panose="020B0604020202020204" pitchFamily="34" charset="0"/>
+                <a:cs typeface="Arial" panose="020B0604020202020204" pitchFamily="34" charset="0"/>
+              </a:endParaRPr>
             </a:p>
           </p:txBody>
         </p:sp>
@@ -3800,7 +3813,10 @@
             <a:lstStyle/>
             <a:p>
               <a:pPr algn="ctr"/>
-              <a:endParaRPr lang="en-US"/>
+              <a:endParaRPr lang="en-US">
+                <a:latin typeface="Arial" panose="020B0604020202020204" pitchFamily="34" charset="0"/>
+                <a:cs typeface="Arial" panose="020B0604020202020204" pitchFamily="34" charset="0"/>
+              </a:endParaRPr>
             </a:p>
           </p:txBody>
         </p:sp>
@@ -3883,7 +3899,7 @@
         </p:nvSpPr>
         <p:spPr>
           <a:xfrm>
-            <a:off x="6885815" y="182997"/>
+            <a:off x="6854285" y="182997"/>
             <a:ext cx="4072759" cy="615553"/>
           </a:xfrm>
           <a:prstGeom prst="rect">
@@ -3898,29 +3914,399 @@
           <a:lstStyle/>
           <a:p>
             <a:r>
-              <a:rPr lang="en-US" sz="1700" b="1" i="0" u="none" strike="noStrike" dirty="0">
+              <a:rPr lang="en-US" sz="1700" i="0" u="none" strike="noStrike" dirty="0">
+                <a:effectLst/>
+                <a:latin typeface="Arial" panose="020B0604020202020204" pitchFamily="34" charset="0"/>
+                <a:cs typeface="Arial" panose="020B0604020202020204" pitchFamily="34" charset="0"/>
+              </a:rPr>
+              <a:t>1. Define clear and measurable management objectives</a:t>
+            </a:r>
+            <a:endParaRPr lang="en-US" sz="1700" dirty="0">
+              <a:latin typeface="Arial" panose="020B0604020202020204" pitchFamily="34" charset="0"/>
+              <a:cs typeface="Arial" panose="020B0604020202020204" pitchFamily="34" charset="0"/>
+            </a:endParaRPr>
+          </a:p>
+        </p:txBody>
+      </p:sp>
+      <p:sp>
+        <p:nvSpPr>
+          <p:cNvPr id="21" name="TextBox 20">
+            <a:extLst>
+              <a:ext uri="{FF2B5EF4-FFF2-40B4-BE49-F238E27FC236}">
+                <a16:creationId xmlns:a16="http://schemas.microsoft.com/office/drawing/2014/main" id="{BA595B5E-43D5-0B73-96A1-B1F36A4207F4}"/>
+              </a:ext>
+            </a:extLst>
+          </p:cNvPr>
+          <p:cNvSpPr txBox="1"/>
+          <p:nvPr/>
+        </p:nvSpPr>
+        <p:spPr>
+          <a:xfrm>
+            <a:off x="8024540" y="893300"/>
+            <a:ext cx="4072759" cy="615553"/>
+          </a:xfrm>
+          <a:prstGeom prst="rect">
+            <a:avLst/>
+          </a:prstGeom>
+          <a:noFill/>
+        </p:spPr>
+        <p:txBody>
+          <a:bodyPr wrap="square" rtlCol="0">
+            <a:spAutoFit/>
+          </a:bodyPr>
+          <a:lstStyle/>
+          <a:p>
+            <a:r>
+              <a:rPr lang="en-US" sz="1700" i="0" u="none" strike="noStrike" dirty="0">
+                <a:effectLst/>
+                <a:latin typeface="Arial" panose="020B0604020202020204" pitchFamily="34" charset="0"/>
+                <a:cs typeface="Arial" panose="020B0604020202020204" pitchFamily="34" charset="0"/>
+              </a:rPr>
+              <a:t>2. Define and collect data required to assess and adjust allocation policies</a:t>
+            </a:r>
+            <a:endParaRPr lang="en-US" sz="1700" dirty="0">
+              <a:latin typeface="Arial" panose="020B0604020202020204" pitchFamily="34" charset="0"/>
+              <a:cs typeface="Arial" panose="020B0604020202020204" pitchFamily="34" charset="0"/>
+            </a:endParaRPr>
+          </a:p>
+        </p:txBody>
+      </p:sp>
+      <p:sp>
+        <p:nvSpPr>
+          <p:cNvPr id="23" name="TextBox 22">
+            <a:extLst>
+              <a:ext uri="{FF2B5EF4-FFF2-40B4-BE49-F238E27FC236}">
+                <a16:creationId xmlns:a16="http://schemas.microsoft.com/office/drawing/2014/main" id="{9B359D45-73FB-EF0B-CA00-605362C40424}"/>
+              </a:ext>
+            </a:extLst>
+          </p:cNvPr>
+          <p:cNvSpPr txBox="1"/>
+          <p:nvPr/>
+        </p:nvSpPr>
+        <p:spPr>
+          <a:xfrm>
+            <a:off x="8987986" y="2884675"/>
+            <a:ext cx="3337036" cy="877163"/>
+          </a:xfrm>
+          <a:prstGeom prst="rect">
+            <a:avLst/>
+          </a:prstGeom>
+          <a:noFill/>
+        </p:spPr>
+        <p:txBody>
+          <a:bodyPr wrap="square">
+            <a:spAutoFit/>
+          </a:bodyPr>
+          <a:lstStyle/>
+          <a:p>
+            <a:r>
+              <a:rPr lang="en-US" sz="1700" dirty="0">
+                <a:latin typeface="Arial" panose="020B0604020202020204" pitchFamily="34" charset="0"/>
+                <a:cs typeface="Arial" panose="020B0604020202020204" pitchFamily="34" charset="0"/>
+              </a:rPr>
+              <a:t>4. </a:t>
+            </a:r>
+            <a:r>
+              <a:rPr lang="en-US" sz="1700" i="0" u="none" strike="noStrike" dirty="0">
+                <a:effectLst/>
+                <a:latin typeface="Arial" panose="020B0604020202020204" pitchFamily="34" charset="0"/>
+                <a:cs typeface="Arial" panose="020B0604020202020204" pitchFamily="34" charset="0"/>
+              </a:rPr>
+              <a:t>Balance historical and contemporary resource access in setting allocations</a:t>
+            </a:r>
+            <a:endParaRPr lang="en-US" sz="1700" dirty="0">
+              <a:latin typeface="Arial" panose="020B0604020202020204" pitchFamily="34" charset="0"/>
+              <a:cs typeface="Arial" panose="020B0604020202020204" pitchFamily="34" charset="0"/>
+            </a:endParaRPr>
+          </a:p>
+        </p:txBody>
+      </p:sp>
+      <p:sp>
+        <p:nvSpPr>
+          <p:cNvPr id="25" name="TextBox 24">
+            <a:extLst>
+              <a:ext uri="{FF2B5EF4-FFF2-40B4-BE49-F238E27FC236}">
+                <a16:creationId xmlns:a16="http://schemas.microsoft.com/office/drawing/2014/main" id="{8DCBCADD-F53F-B9FD-00FB-2622BA37F94A}"/>
+              </a:ext>
+            </a:extLst>
+          </p:cNvPr>
+          <p:cNvSpPr txBox="1"/>
+          <p:nvPr/>
+        </p:nvSpPr>
+        <p:spPr>
+          <a:xfrm>
+            <a:off x="8521155" y="1718202"/>
+            <a:ext cx="3576143" cy="877163"/>
+          </a:xfrm>
+          <a:prstGeom prst="rect">
+            <a:avLst/>
+          </a:prstGeom>
+          <a:noFill/>
+        </p:spPr>
+        <p:txBody>
+          <a:bodyPr wrap="square">
+            <a:spAutoFit/>
+          </a:bodyPr>
+          <a:lstStyle/>
+          <a:p>
+            <a:r>
+              <a:rPr lang="en-US" sz="1700" dirty="0">
+                <a:latin typeface="Arial" panose="020B0604020202020204" pitchFamily="34" charset="0"/>
+                <a:cs typeface="Arial" panose="020B0604020202020204" pitchFamily="34" charset="0"/>
+              </a:rPr>
+              <a:t>3</a:t>
+            </a:r>
+            <a:r>
+              <a:rPr lang="en-US" sz="1700" i="0" u="none" strike="noStrike" dirty="0">
+                <a:effectLst/>
+                <a:latin typeface="Arial" panose="020B0604020202020204" pitchFamily="34" charset="0"/>
+                <a:cs typeface="Arial" panose="020B0604020202020204" pitchFamily="34" charset="0"/>
+              </a:rPr>
+              <a:t>. Facilitate quota transfers between regions, sectors, and individuals</a:t>
+            </a:r>
+            <a:endParaRPr lang="en-US" sz="1700" dirty="0">
+              <a:latin typeface="Arial" panose="020B0604020202020204" pitchFamily="34" charset="0"/>
+              <a:cs typeface="Arial" panose="020B0604020202020204" pitchFamily="34" charset="0"/>
+            </a:endParaRPr>
+          </a:p>
+        </p:txBody>
+      </p:sp>
+      <p:sp>
+        <p:nvSpPr>
+          <p:cNvPr id="27" name="TextBox 26">
+            <a:extLst>
+              <a:ext uri="{FF2B5EF4-FFF2-40B4-BE49-F238E27FC236}">
+                <a16:creationId xmlns:a16="http://schemas.microsoft.com/office/drawing/2014/main" id="{706199D4-16D0-218C-0110-92AF9C369F78}"/>
+              </a:ext>
+            </a:extLst>
+          </p:cNvPr>
+          <p:cNvSpPr txBox="1"/>
+          <p:nvPr/>
+        </p:nvSpPr>
+        <p:spPr>
+          <a:xfrm>
+            <a:off x="8854162" y="3951964"/>
+            <a:ext cx="2652551" cy="615553"/>
+          </a:xfrm>
+          <a:prstGeom prst="rect">
+            <a:avLst/>
+          </a:prstGeom>
+          <a:noFill/>
+        </p:spPr>
+        <p:txBody>
+          <a:bodyPr wrap="square">
+            <a:spAutoFit/>
+          </a:bodyPr>
+          <a:lstStyle/>
+          <a:p>
+            <a:r>
+              <a:rPr lang="en-US" sz="1700" dirty="0">
+                <a:latin typeface="Arial" panose="020B0604020202020204" pitchFamily="34" charset="0"/>
+                <a:cs typeface="Arial" panose="020B0604020202020204" pitchFamily="34" charset="0"/>
+              </a:rPr>
+              <a:t>5</a:t>
+            </a:r>
+            <a:r>
+              <a:rPr lang="en-US" sz="1700" i="0" u="none" strike="noStrike" dirty="0">
+                <a:effectLst/>
+                <a:latin typeface="Arial" panose="020B0604020202020204" pitchFamily="34" charset="0"/>
+                <a:cs typeface="Arial" panose="020B0604020202020204" pitchFamily="34" charset="0"/>
+              </a:rPr>
+              <a:t>. Ensure opportunities for new entrants</a:t>
+            </a:r>
+            <a:endParaRPr lang="en-US" sz="1700" dirty="0">
+              <a:latin typeface="Arial" panose="020B0604020202020204" pitchFamily="34" charset="0"/>
+              <a:cs typeface="Arial" panose="020B0604020202020204" pitchFamily="34" charset="0"/>
+            </a:endParaRPr>
+          </a:p>
+        </p:txBody>
+      </p:sp>
+      <p:sp>
+        <p:nvSpPr>
+          <p:cNvPr id="29" name="TextBox 28">
+            <a:extLst>
+              <a:ext uri="{FF2B5EF4-FFF2-40B4-BE49-F238E27FC236}">
+                <a16:creationId xmlns:a16="http://schemas.microsoft.com/office/drawing/2014/main" id="{9158B694-644D-988E-B16C-B360147EDE43}"/>
+              </a:ext>
+            </a:extLst>
+          </p:cNvPr>
+          <p:cNvSpPr txBox="1"/>
+          <p:nvPr/>
+        </p:nvSpPr>
+        <p:spPr>
+          <a:xfrm>
+            <a:off x="8547052" y="4877385"/>
+            <a:ext cx="3047998" cy="615553"/>
+          </a:xfrm>
+          <a:prstGeom prst="rect">
+            <a:avLst/>
+          </a:prstGeom>
+          <a:noFill/>
+        </p:spPr>
+        <p:txBody>
+          <a:bodyPr wrap="square">
+            <a:spAutoFit/>
+          </a:bodyPr>
+          <a:lstStyle/>
+          <a:p>
+            <a:r>
+              <a:rPr lang="en-US" sz="1700" i="0" u="none" strike="noStrike" dirty="0">
+                <a:effectLst/>
+                <a:latin typeface="Arial" panose="020B0604020202020204" pitchFamily="34" charset="0"/>
+                <a:cs typeface="Arial" panose="020B0604020202020204" pitchFamily="34" charset="0"/>
+              </a:rPr>
+              <a:t>6. Allocate quota for research and experimentation</a:t>
+            </a:r>
+            <a:endParaRPr lang="en-US" sz="1700" dirty="0">
+              <a:latin typeface="Arial" panose="020B0604020202020204" pitchFamily="34" charset="0"/>
+              <a:cs typeface="Arial" panose="020B0604020202020204" pitchFamily="34" charset="0"/>
+            </a:endParaRPr>
+          </a:p>
+        </p:txBody>
+      </p:sp>
+      <p:sp>
+        <p:nvSpPr>
+          <p:cNvPr id="31" name="TextBox 30">
+            <a:extLst>
+              <a:ext uri="{FF2B5EF4-FFF2-40B4-BE49-F238E27FC236}">
+                <a16:creationId xmlns:a16="http://schemas.microsoft.com/office/drawing/2014/main" id="{B68893CC-18C0-E0E5-713F-E00A5B1758AB}"/>
+              </a:ext>
+            </a:extLst>
+          </p:cNvPr>
+          <p:cNvSpPr txBox="1"/>
+          <p:nvPr/>
+        </p:nvSpPr>
+        <p:spPr>
+          <a:xfrm>
+            <a:off x="8130301" y="5850511"/>
+            <a:ext cx="3861235" cy="615553"/>
+          </a:xfrm>
+          <a:prstGeom prst="rect">
+            <a:avLst/>
+          </a:prstGeom>
+          <a:noFill/>
+        </p:spPr>
+        <p:txBody>
+          <a:bodyPr wrap="square">
+            <a:spAutoFit/>
+          </a:bodyPr>
+          <a:lstStyle/>
+          <a:p>
+            <a:r>
+              <a:rPr lang="en-US" sz="1700" dirty="0">
+                <a:latin typeface="Arial" panose="020B0604020202020204" pitchFamily="34" charset="0"/>
+                <a:cs typeface="Arial" panose="020B0604020202020204" pitchFamily="34" charset="0"/>
+              </a:rPr>
+              <a:t>7</a:t>
+            </a:r>
+            <a:r>
+              <a:rPr lang="en-US" sz="1700" i="0" u="none" strike="noStrike" dirty="0">
+                <a:effectLst/>
+                <a:latin typeface="Arial" panose="020B0604020202020204" pitchFamily="34" charset="0"/>
+                <a:cs typeface="Arial" panose="020B0604020202020204" pitchFamily="34" charset="0"/>
+              </a:rPr>
+              <a:t>. Reduce impacts of changes to allocation policies on stakeholders</a:t>
+            </a:r>
+            <a:endParaRPr lang="en-US" sz="1700" dirty="0">
+              <a:latin typeface="Arial" panose="020B0604020202020204" pitchFamily="34" charset="0"/>
+              <a:cs typeface="Arial" panose="020B0604020202020204" pitchFamily="34" charset="0"/>
+            </a:endParaRPr>
+          </a:p>
+        </p:txBody>
+      </p:sp>
+      <p:sp>
+        <p:nvSpPr>
+          <p:cNvPr id="33" name="TextBox 32">
+            <a:extLst>
+              <a:ext uri="{FF2B5EF4-FFF2-40B4-BE49-F238E27FC236}">
+                <a16:creationId xmlns:a16="http://schemas.microsoft.com/office/drawing/2014/main" id="{9BE2A401-CD82-9610-9496-58E6C56B4AFA}"/>
+              </a:ext>
+            </a:extLst>
+          </p:cNvPr>
+          <p:cNvSpPr txBox="1"/>
+          <p:nvPr/>
+        </p:nvSpPr>
+        <p:spPr>
+          <a:xfrm>
+            <a:off x="1188204" y="182997"/>
+            <a:ext cx="2942358" cy="615553"/>
+          </a:xfrm>
+          <a:prstGeom prst="rect">
+            <a:avLst/>
+          </a:prstGeom>
+          <a:noFill/>
+        </p:spPr>
+        <p:txBody>
+          <a:bodyPr wrap="square">
+            <a:spAutoFit/>
+          </a:bodyPr>
+          <a:lstStyle/>
+          <a:p>
+            <a:r>
+              <a:rPr lang="en-US" sz="1700" dirty="0">
+                <a:latin typeface="Arial" panose="020B0604020202020204" pitchFamily="34" charset="0"/>
+                <a:cs typeface="Arial" panose="020B0604020202020204" pitchFamily="34" charset="0"/>
+              </a:rPr>
+              <a:t>8. Conduct regular reviews of allocation policies</a:t>
+            </a:r>
+          </a:p>
+        </p:txBody>
+      </p:sp>
+      <p:sp>
+        <p:nvSpPr>
+          <p:cNvPr id="34" name="TextBox 33">
+            <a:extLst>
+              <a:ext uri="{FF2B5EF4-FFF2-40B4-BE49-F238E27FC236}">
+                <a16:creationId xmlns:a16="http://schemas.microsoft.com/office/drawing/2014/main" id="{6DFECB39-04E2-A557-C00D-B2003783A383}"/>
+              </a:ext>
+            </a:extLst>
+          </p:cNvPr>
+          <p:cNvSpPr txBox="1"/>
+          <p:nvPr/>
+        </p:nvSpPr>
+        <p:spPr>
+          <a:xfrm>
+            <a:off x="5544290" y="577813"/>
+            <a:ext cx="1866227" cy="784830"/>
+          </a:xfrm>
+          <a:prstGeom prst="rect">
+            <a:avLst/>
+          </a:prstGeom>
+          <a:noFill/>
+        </p:spPr>
+        <p:txBody>
+          <a:bodyPr wrap="square" rtlCol="0">
+            <a:spAutoFit/>
+          </a:bodyPr>
+          <a:lstStyle/>
+          <a:p>
+            <a:r>
+              <a:rPr lang="en-US" sz="1500" b="0" i="1" u="none" strike="noStrike" dirty="0">
                 <a:solidFill>
                   <a:srgbClr val="C66431"/>
                 </a:solidFill>
                 <a:effectLst/>
                 <a:latin typeface="Arial" panose="020B0604020202020204" pitchFamily="34" charset="0"/>
+                <a:cs typeface="Arial" panose="020B0604020202020204" pitchFamily="34" charset="0"/>
               </a:rPr>
-              <a:t>1. Define clear and measurable management objectives</a:t>
-            </a:r>
-            <a:endParaRPr lang="en-US" sz="1700" b="1" dirty="0">
+              <a:t>Define management objectives</a:t>
+            </a:r>
+            <a:endParaRPr lang="en-US" sz="1500" i="1" dirty="0">
               <a:solidFill>
                 <a:srgbClr val="C66431"/>
               </a:solidFill>
+              <a:latin typeface="Arial" panose="020B0604020202020204" pitchFamily="34" charset="0"/>
+              <a:cs typeface="Arial" panose="020B0604020202020204" pitchFamily="34" charset="0"/>
             </a:endParaRPr>
           </a:p>
         </p:txBody>
       </p:sp>
       <p:sp>
         <p:nvSpPr>
-          <p:cNvPr id="21" name="TextBox 20">
-            <a:extLst>
-              <a:ext uri="{FF2B5EF4-FFF2-40B4-BE49-F238E27FC236}">
-                <a16:creationId xmlns:a16="http://schemas.microsoft.com/office/drawing/2014/main" id="{BA595B5E-43D5-0B73-96A1-B1F36A4207F4}"/>
+          <p:cNvPr id="35" name="TextBox 34">
+            <a:extLst>
+              <a:ext uri="{FF2B5EF4-FFF2-40B4-BE49-F238E27FC236}">
+                <a16:creationId xmlns:a16="http://schemas.microsoft.com/office/drawing/2014/main" id="{DD1C1658-FDF6-4126-812C-65E5D79BB43F}"/>
               </a:ext>
             </a:extLst>
           </p:cNvPr>
@@ -3929,8 +4315,8 @@
         </p:nvSpPr>
         <p:spPr>
           <a:xfrm>
-            <a:off x="8024540" y="956360"/>
-            <a:ext cx="4072759" cy="615553"/>
+            <a:off x="6903353" y="1286035"/>
+            <a:ext cx="1555095" cy="784830"/>
           </a:xfrm>
           <a:prstGeom prst="rect">
             <a:avLst/>
@@ -3944,38 +4330,32 @@
           <a:lstStyle/>
           <a:p>
             <a:r>
-              <a:rPr lang="en-US" sz="1700" b="1" dirty="0">
-                <a:solidFill>
-                  <a:srgbClr val="C66431"/>
-                </a:solidFill>
-                <a:latin typeface="Arial" panose="020B0604020202020204" pitchFamily="34" charset="0"/>
-              </a:rPr>
-              <a:t>3</a:t>
-            </a:r>
-            <a:r>
-              <a:rPr lang="en-US" sz="1700" b="1" i="0" u="none" strike="noStrike" dirty="0">
+              <a:rPr lang="en-US" sz="1500" b="0" i="1" u="none" strike="noStrike" dirty="0">
                 <a:solidFill>
                   <a:srgbClr val="C66431"/>
                 </a:solidFill>
                 <a:effectLst/>
                 <a:latin typeface="Arial" panose="020B0604020202020204" pitchFamily="34" charset="0"/>
+                <a:cs typeface="Arial" panose="020B0604020202020204" pitchFamily="34" charset="0"/>
               </a:rPr>
-              <a:t>. Define and collect data required to assess and adjust allocation policies</a:t>
-            </a:r>
-            <a:endParaRPr lang="en-US" sz="1700" b="1" dirty="0">
+              <a:t>Identify performance indicators</a:t>
+            </a:r>
+            <a:endParaRPr lang="en-US" sz="1500" i="1" dirty="0">
               <a:solidFill>
                 <a:srgbClr val="C66431"/>
               </a:solidFill>
+              <a:latin typeface="Arial" panose="020B0604020202020204" pitchFamily="34" charset="0"/>
+              <a:cs typeface="Arial" panose="020B0604020202020204" pitchFamily="34" charset="0"/>
             </a:endParaRPr>
           </a:p>
         </p:txBody>
       </p:sp>
       <p:sp>
         <p:nvSpPr>
-          <p:cNvPr id="23" name="TextBox 22">
-            <a:extLst>
-              <a:ext uri="{FF2B5EF4-FFF2-40B4-BE49-F238E27FC236}">
-                <a16:creationId xmlns:a16="http://schemas.microsoft.com/office/drawing/2014/main" id="{9B359D45-73FB-EF0B-CA00-605362C40424}"/>
+          <p:cNvPr id="36" name="TextBox 35">
+            <a:extLst>
+              <a:ext uri="{FF2B5EF4-FFF2-40B4-BE49-F238E27FC236}">
+                <a16:creationId xmlns:a16="http://schemas.microsoft.com/office/drawing/2014/main" id="{E141EA04-C282-94D5-0BBD-A86F4C1BF002}"/>
               </a:ext>
             </a:extLst>
           </p:cNvPr>
@@ -3984,8 +4364,8 @@
         </p:nvSpPr>
         <p:spPr>
           <a:xfrm>
-            <a:off x="8854354" y="1795155"/>
-            <a:ext cx="3337036" cy="877163"/>
+            <a:off x="7489082" y="2350440"/>
+            <a:ext cx="1555095" cy="784830"/>
           </a:xfrm>
           <a:prstGeom prst="rect">
             <a:avLst/>
@@ -3993,44 +4373,38 @@
           <a:noFill/>
         </p:spPr>
         <p:txBody>
-          <a:bodyPr wrap="square">
+          <a:bodyPr wrap="square" rtlCol="0">
             <a:spAutoFit/>
           </a:bodyPr>
           <a:lstStyle/>
           <a:p>
             <a:r>
-              <a:rPr lang="en-US" sz="1700" b="1" dirty="0">
-                <a:solidFill>
-                  <a:srgbClr val="C66431"/>
-                </a:solidFill>
-                <a:latin typeface="Arial" panose="020B0604020202020204" pitchFamily="34" charset="0"/>
-              </a:rPr>
-              <a:t>4. </a:t>
-            </a:r>
-            <a:r>
-              <a:rPr lang="en-US" sz="1700" b="1" i="0" u="none" strike="noStrike" dirty="0">
+              <a:rPr lang="en-US" sz="1500" b="0" i="1" u="none" strike="noStrike" dirty="0">
                 <a:solidFill>
                   <a:srgbClr val="C66431"/>
                 </a:solidFill>
                 <a:effectLst/>
                 <a:latin typeface="Arial" panose="020B0604020202020204" pitchFamily="34" charset="0"/>
+                <a:cs typeface="Arial" panose="020B0604020202020204" pitchFamily="34" charset="0"/>
               </a:rPr>
-              <a:t>Balance historical and contemporary resource access in setting allocations</a:t>
-            </a:r>
-            <a:endParaRPr lang="en-US" sz="1700" b="1" dirty="0">
+              <a:t>Develop management strategies</a:t>
+            </a:r>
+            <a:endParaRPr lang="en-US" sz="1500" i="1" dirty="0">
               <a:solidFill>
                 <a:srgbClr val="C66431"/>
               </a:solidFill>
+              <a:latin typeface="Arial" panose="020B0604020202020204" pitchFamily="34" charset="0"/>
+              <a:cs typeface="Arial" panose="020B0604020202020204" pitchFamily="34" charset="0"/>
             </a:endParaRPr>
           </a:p>
         </p:txBody>
       </p:sp>
       <p:sp>
         <p:nvSpPr>
-          <p:cNvPr id="25" name="TextBox 24">
-            <a:extLst>
-              <a:ext uri="{FF2B5EF4-FFF2-40B4-BE49-F238E27FC236}">
-                <a16:creationId xmlns:a16="http://schemas.microsoft.com/office/drawing/2014/main" id="{8DCBCADD-F53F-B9FD-00FB-2622BA37F94A}"/>
+          <p:cNvPr id="37" name="TextBox 36">
+            <a:extLst>
+              <a:ext uri="{FF2B5EF4-FFF2-40B4-BE49-F238E27FC236}">
+                <a16:creationId xmlns:a16="http://schemas.microsoft.com/office/drawing/2014/main" id="{716B2819-09DE-ED35-F31B-5AFB832FF831}"/>
               </a:ext>
             </a:extLst>
           </p:cNvPr>
@@ -4039,8 +4413,8 @@
         </p:nvSpPr>
         <p:spPr>
           <a:xfrm>
-            <a:off x="3675046" y="3532537"/>
-            <a:ext cx="2488074" cy="1138773"/>
+            <a:off x="7367100" y="4219263"/>
+            <a:ext cx="1555095" cy="784830"/>
           </a:xfrm>
           <a:prstGeom prst="rect">
             <a:avLst/>
@@ -4048,35 +4422,136 @@
           <a:noFill/>
         </p:spPr>
         <p:txBody>
-          <a:bodyPr wrap="square">
+          <a:bodyPr wrap="square" rtlCol="0">
             <a:spAutoFit/>
           </a:bodyPr>
           <a:lstStyle/>
           <a:p>
             <a:r>
-              <a:rPr lang="en-US" sz="1700" b="1" i="0" u="none" strike="noStrike" dirty="0">
+              <a:rPr lang="en-US" sz="1500" b="0" i="1" u="none" strike="noStrike" dirty="0">
+                <a:solidFill>
+                  <a:srgbClr val="923288"/>
+                </a:solidFill>
+                <a:effectLst/>
+                <a:latin typeface="Arial" panose="020B0604020202020204" pitchFamily="34" charset="0"/>
+                <a:cs typeface="Arial" panose="020B0604020202020204" pitchFamily="34" charset="0"/>
+              </a:rPr>
+              <a:t>Establish monitoring programs</a:t>
+            </a:r>
+            <a:endParaRPr lang="en-US" sz="1500" i="1" dirty="0">
+              <a:solidFill>
+                <a:srgbClr val="923288"/>
+              </a:solidFill>
+              <a:latin typeface="Arial" panose="020B0604020202020204" pitchFamily="34" charset="0"/>
+              <a:cs typeface="Arial" panose="020B0604020202020204" pitchFamily="34" charset="0"/>
+            </a:endParaRPr>
+          </a:p>
+        </p:txBody>
+      </p:sp>
+      <p:sp>
+        <p:nvSpPr>
+          <p:cNvPr id="38" name="TextBox 37">
+            <a:extLst>
+              <a:ext uri="{FF2B5EF4-FFF2-40B4-BE49-F238E27FC236}">
+                <a16:creationId xmlns:a16="http://schemas.microsoft.com/office/drawing/2014/main" id="{B26637DB-89C3-DE13-78EB-0DEF43802ECC}"/>
+              </a:ext>
+            </a:extLst>
+          </p:cNvPr>
+          <p:cNvSpPr txBox="1"/>
+          <p:nvPr/>
+        </p:nvSpPr>
+        <p:spPr>
+          <a:xfrm>
+            <a:off x="6776205" y="5246250"/>
+            <a:ext cx="1555095" cy="784830"/>
+          </a:xfrm>
+          <a:prstGeom prst="rect">
+            <a:avLst/>
+          </a:prstGeom>
+          <a:noFill/>
+        </p:spPr>
+        <p:txBody>
+          <a:bodyPr wrap="square" rtlCol="0">
+            <a:spAutoFit/>
+          </a:bodyPr>
+          <a:lstStyle/>
+          <a:p>
+            <a:r>
+              <a:rPr lang="en-US" sz="1500" b="0" i="1" u="none" strike="noStrike" dirty="0">
+                <a:solidFill>
+                  <a:srgbClr val="923288"/>
+                </a:solidFill>
+                <a:effectLst/>
+                <a:latin typeface="Arial" panose="020B0604020202020204" pitchFamily="34" charset="0"/>
+                <a:cs typeface="Arial" panose="020B0604020202020204" pitchFamily="34" charset="0"/>
+              </a:rPr>
+              <a:t>Implement management strategies</a:t>
+            </a:r>
+            <a:endParaRPr lang="en-US" sz="1500" i="1" dirty="0">
+              <a:solidFill>
+                <a:srgbClr val="923288"/>
+              </a:solidFill>
+              <a:latin typeface="Arial" panose="020B0604020202020204" pitchFamily="34" charset="0"/>
+              <a:cs typeface="Arial" panose="020B0604020202020204" pitchFamily="34" charset="0"/>
+            </a:endParaRPr>
+          </a:p>
+        </p:txBody>
+      </p:sp>
+      <p:sp>
+        <p:nvSpPr>
+          <p:cNvPr id="39" name="TextBox 38">
+            <a:extLst>
+              <a:ext uri="{FF2B5EF4-FFF2-40B4-BE49-F238E27FC236}">
+                <a16:creationId xmlns:a16="http://schemas.microsoft.com/office/drawing/2014/main" id="{B50EED9E-56D7-3557-CE71-45F86AD9D5B2}"/>
+              </a:ext>
+            </a:extLst>
+          </p:cNvPr>
+          <p:cNvSpPr txBox="1"/>
+          <p:nvPr/>
+        </p:nvSpPr>
+        <p:spPr>
+          <a:xfrm>
+            <a:off x="2564742" y="5305958"/>
+            <a:ext cx="1555095" cy="553998"/>
+          </a:xfrm>
+          <a:prstGeom prst="rect">
+            <a:avLst/>
+          </a:prstGeom>
+          <a:noFill/>
+        </p:spPr>
+        <p:txBody>
+          <a:bodyPr wrap="square" rtlCol="0">
+            <a:spAutoFit/>
+          </a:bodyPr>
+          <a:lstStyle/>
+          <a:p>
+            <a:r>
+              <a:rPr lang="en-US" sz="1500" b="0" i="1" u="none" strike="noStrike" dirty="0">
                 <a:solidFill>
                   <a:srgbClr val="298DBB"/>
                 </a:solidFill>
                 <a:effectLst/>
                 <a:latin typeface="Arial" panose="020B0604020202020204" pitchFamily="34" charset="0"/>
+                <a:cs typeface="Arial" panose="020B0604020202020204" pitchFamily="34" charset="0"/>
               </a:rPr>
-              <a:t>5. Facilitate quota transfers between regions, sectors, and individuals</a:t>
-            </a:r>
-            <a:endParaRPr lang="en-US" sz="1700" b="1" dirty="0">
+              <a:t>Evaluate effectiveness</a:t>
+            </a:r>
+            <a:endParaRPr lang="en-US" sz="1500" i="1" dirty="0">
               <a:solidFill>
                 <a:srgbClr val="298DBB"/>
               </a:solidFill>
+              <a:latin typeface="Arial" panose="020B0604020202020204" pitchFamily="34" charset="0"/>
+              <a:cs typeface="Arial" panose="020B0604020202020204" pitchFamily="34" charset="0"/>
             </a:endParaRPr>
           </a:p>
         </p:txBody>
       </p:sp>
       <p:sp>
         <p:nvSpPr>
-          <p:cNvPr id="27" name="TextBox 26">
-            <a:extLst>
-              <a:ext uri="{FF2B5EF4-FFF2-40B4-BE49-F238E27FC236}">
-                <a16:creationId xmlns:a16="http://schemas.microsoft.com/office/drawing/2014/main" id="{706199D4-16D0-218C-0110-92AF9C369F78}"/>
+          <p:cNvPr id="40" name="TextBox 39">
+            <a:extLst>
+              <a:ext uri="{FF2B5EF4-FFF2-40B4-BE49-F238E27FC236}">
+                <a16:creationId xmlns:a16="http://schemas.microsoft.com/office/drawing/2014/main" id="{18E94A10-B924-93B5-902C-AE1A07370CEF}"/>
               </a:ext>
             </a:extLst>
           </p:cNvPr>
@@ -4085,8 +4560,8 @@
         </p:nvSpPr>
         <p:spPr>
           <a:xfrm>
-            <a:off x="8765647" y="4326984"/>
-            <a:ext cx="2652551" cy="615553"/>
+            <a:off x="1233825" y="3790525"/>
+            <a:ext cx="2029963" cy="553998"/>
           </a:xfrm>
           <a:prstGeom prst="rect">
             <a:avLst/>
@@ -4094,442 +4569,38 @@
           <a:noFill/>
         </p:spPr>
         <p:txBody>
-          <a:bodyPr wrap="square">
-            <a:spAutoFit/>
-          </a:bodyPr>
-          <a:lstStyle/>
-          <a:p>
-            <a:r>
-              <a:rPr lang="en-US" sz="1700" b="1" i="0" u="none" strike="noStrike" dirty="0">
-                <a:solidFill>
-                  <a:srgbClr val="923288"/>
-                </a:solidFill>
-                <a:effectLst/>
-                <a:latin typeface="Arial" panose="020B0604020202020204" pitchFamily="34" charset="0"/>
-              </a:rPr>
-              <a:t>6. Ensure opportunities for new entrants</a:t>
-            </a:r>
-            <a:endParaRPr lang="en-US" sz="1700" b="1" dirty="0">
-              <a:solidFill>
-                <a:srgbClr val="923288"/>
-              </a:solidFill>
-            </a:endParaRPr>
-          </a:p>
-        </p:txBody>
-      </p:sp>
-      <p:sp>
-        <p:nvSpPr>
-          <p:cNvPr id="29" name="TextBox 28">
-            <a:extLst>
-              <a:ext uri="{FF2B5EF4-FFF2-40B4-BE49-F238E27FC236}">
-                <a16:creationId xmlns:a16="http://schemas.microsoft.com/office/drawing/2014/main" id="{9158B694-644D-988E-B16C-B360147EDE43}"/>
-              </a:ext>
-            </a:extLst>
-          </p:cNvPr>
-          <p:cNvSpPr txBox="1"/>
-          <p:nvPr/>
-        </p:nvSpPr>
-        <p:spPr>
-          <a:xfrm>
-            <a:off x="8976837" y="2887197"/>
-            <a:ext cx="3047998" cy="877163"/>
-          </a:xfrm>
-          <a:prstGeom prst="rect">
-            <a:avLst/>
-          </a:prstGeom>
-          <a:noFill/>
-        </p:spPr>
-        <p:txBody>
-          <a:bodyPr wrap="square">
-            <a:spAutoFit/>
-          </a:bodyPr>
-          <a:lstStyle/>
-          <a:p>
-            <a:r>
-              <a:rPr lang="en-US" sz="1700" b="1" i="0" u="none" strike="noStrike" dirty="0">
-                <a:solidFill>
-                  <a:srgbClr val="C66431"/>
-                </a:solidFill>
-                <a:effectLst/>
-                <a:latin typeface="Arial" panose="020B0604020202020204" pitchFamily="34" charset="0"/>
-              </a:rPr>
-              <a:t>7. Allocate quota for research and experimentation</a:t>
-            </a:r>
-            <a:endParaRPr lang="en-US" sz="1700" b="1" dirty="0">
-              <a:solidFill>
-                <a:srgbClr val="C66431"/>
-              </a:solidFill>
-            </a:endParaRPr>
-          </a:p>
-        </p:txBody>
-      </p:sp>
-      <p:sp>
-        <p:nvSpPr>
-          <p:cNvPr id="31" name="TextBox 30">
-            <a:extLst>
-              <a:ext uri="{FF2B5EF4-FFF2-40B4-BE49-F238E27FC236}">
-                <a16:creationId xmlns:a16="http://schemas.microsoft.com/office/drawing/2014/main" id="{B68893CC-18C0-E0E5-713F-E00A5B1758AB}"/>
-              </a:ext>
-            </a:extLst>
-          </p:cNvPr>
-          <p:cNvSpPr txBox="1"/>
-          <p:nvPr/>
-        </p:nvSpPr>
-        <p:spPr>
-          <a:xfrm>
-            <a:off x="8308135" y="5197384"/>
-            <a:ext cx="3861235" cy="615553"/>
-          </a:xfrm>
-          <a:prstGeom prst="rect">
-            <a:avLst/>
-          </a:prstGeom>
-          <a:noFill/>
-        </p:spPr>
-        <p:txBody>
-          <a:bodyPr wrap="square">
-            <a:spAutoFit/>
-          </a:bodyPr>
-          <a:lstStyle/>
-          <a:p>
-            <a:r>
-              <a:rPr lang="en-US" sz="1700" b="1" i="0" u="none" strike="noStrike" dirty="0">
-                <a:solidFill>
-                  <a:srgbClr val="923288"/>
-                </a:solidFill>
-                <a:effectLst/>
-                <a:latin typeface="Arial" panose="020B0604020202020204" pitchFamily="34" charset="0"/>
-              </a:rPr>
-              <a:t>8. Reduce impacts of changes to allocation policies on stakeholders</a:t>
-            </a:r>
-            <a:endParaRPr lang="en-US" sz="1700" b="1" dirty="0">
-              <a:solidFill>
-                <a:srgbClr val="923288"/>
-              </a:solidFill>
-            </a:endParaRPr>
-          </a:p>
-        </p:txBody>
-      </p:sp>
-      <p:sp>
-        <p:nvSpPr>
-          <p:cNvPr id="33" name="TextBox 32">
-            <a:extLst>
-              <a:ext uri="{FF2B5EF4-FFF2-40B4-BE49-F238E27FC236}">
-                <a16:creationId xmlns:a16="http://schemas.microsoft.com/office/drawing/2014/main" id="{9BE2A401-CD82-9610-9496-58E6C56B4AFA}"/>
-              </a:ext>
-            </a:extLst>
-          </p:cNvPr>
-          <p:cNvSpPr txBox="1"/>
-          <p:nvPr/>
-        </p:nvSpPr>
-        <p:spPr>
-          <a:xfrm>
-            <a:off x="266973" y="5153917"/>
-            <a:ext cx="2219629" cy="877163"/>
-          </a:xfrm>
-          <a:prstGeom prst="rect">
-            <a:avLst/>
-          </a:prstGeom>
-          <a:noFill/>
-        </p:spPr>
-        <p:txBody>
-          <a:bodyPr wrap="square">
-            <a:spAutoFit/>
-          </a:bodyPr>
-          <a:lstStyle/>
-          <a:p>
-            <a:r>
-              <a:rPr lang="en-US" sz="1700" b="1" dirty="0">
-                <a:solidFill>
-                  <a:srgbClr val="298DBB"/>
-                </a:solidFill>
-              </a:rPr>
-              <a:t>2. Conduct regular reviews of allocation policies</a:t>
-            </a:r>
-          </a:p>
-        </p:txBody>
-      </p:sp>
-      <p:sp>
-        <p:nvSpPr>
-          <p:cNvPr id="34" name="TextBox 33">
-            <a:extLst>
-              <a:ext uri="{FF2B5EF4-FFF2-40B4-BE49-F238E27FC236}">
-                <a16:creationId xmlns:a16="http://schemas.microsoft.com/office/drawing/2014/main" id="{6DFECB39-04E2-A557-C00D-B2003783A383}"/>
-              </a:ext>
-            </a:extLst>
-          </p:cNvPr>
-          <p:cNvSpPr txBox="1"/>
-          <p:nvPr/>
-        </p:nvSpPr>
-        <p:spPr>
-          <a:xfrm>
-            <a:off x="5544290" y="577813"/>
-            <a:ext cx="1866227" cy="830997"/>
-          </a:xfrm>
-          <a:prstGeom prst="rect">
-            <a:avLst/>
-          </a:prstGeom>
-          <a:noFill/>
-        </p:spPr>
-        <p:txBody>
           <a:bodyPr wrap="square" rtlCol="0">
             <a:spAutoFit/>
           </a:bodyPr>
           <a:lstStyle/>
           <a:p>
             <a:r>
-              <a:rPr lang="en-US" sz="1600" b="0" i="0" u="none" strike="noStrike" dirty="0">
-                <a:solidFill>
-                  <a:srgbClr val="C66431"/>
-                </a:solidFill>
-                <a:effectLst/>
-                <a:latin typeface="Arial" panose="020B0604020202020204" pitchFamily="34" charset="0"/>
-              </a:rPr>
-              <a:t>Define management objectives</a:t>
-            </a:r>
-            <a:endParaRPr lang="en-US" sz="1600" dirty="0">
-              <a:solidFill>
-                <a:srgbClr val="C66431"/>
-              </a:solidFill>
-            </a:endParaRPr>
-          </a:p>
-        </p:txBody>
-      </p:sp>
-      <p:sp>
-        <p:nvSpPr>
-          <p:cNvPr id="35" name="TextBox 34">
-            <a:extLst>
-              <a:ext uri="{FF2B5EF4-FFF2-40B4-BE49-F238E27FC236}">
-                <a16:creationId xmlns:a16="http://schemas.microsoft.com/office/drawing/2014/main" id="{DD1C1658-FDF6-4126-812C-65E5D79BB43F}"/>
-              </a:ext>
-            </a:extLst>
-          </p:cNvPr>
-          <p:cNvSpPr txBox="1"/>
-          <p:nvPr/>
-        </p:nvSpPr>
-        <p:spPr>
-          <a:xfrm>
-            <a:off x="6903353" y="1286035"/>
-            <a:ext cx="1555095" cy="830997"/>
-          </a:xfrm>
-          <a:prstGeom prst="rect">
-            <a:avLst/>
-          </a:prstGeom>
-          <a:noFill/>
-        </p:spPr>
-        <p:txBody>
-          <a:bodyPr wrap="square" rtlCol="0">
-            <a:spAutoFit/>
-          </a:bodyPr>
-          <a:lstStyle/>
-          <a:p>
-            <a:r>
-              <a:rPr lang="en-US" sz="1600" b="0" i="0" u="none" strike="noStrike" dirty="0">
-                <a:solidFill>
-                  <a:srgbClr val="C66431"/>
-                </a:solidFill>
-                <a:effectLst/>
-                <a:latin typeface="Arial" panose="020B0604020202020204" pitchFamily="34" charset="0"/>
-              </a:rPr>
-              <a:t>Identify performance indicators</a:t>
-            </a:r>
-            <a:endParaRPr lang="en-US" sz="1600" dirty="0">
-              <a:solidFill>
-                <a:srgbClr val="C66431"/>
-              </a:solidFill>
-            </a:endParaRPr>
-          </a:p>
-        </p:txBody>
-      </p:sp>
-      <p:sp>
-        <p:nvSpPr>
-          <p:cNvPr id="36" name="TextBox 35">
-            <a:extLst>
-              <a:ext uri="{FF2B5EF4-FFF2-40B4-BE49-F238E27FC236}">
-                <a16:creationId xmlns:a16="http://schemas.microsoft.com/office/drawing/2014/main" id="{E141EA04-C282-94D5-0BBD-A86F4C1BF002}"/>
-              </a:ext>
-            </a:extLst>
-          </p:cNvPr>
-          <p:cNvSpPr txBox="1"/>
-          <p:nvPr/>
-        </p:nvSpPr>
-        <p:spPr>
-          <a:xfrm>
-            <a:off x="7489082" y="2350440"/>
-            <a:ext cx="1555095" cy="830997"/>
-          </a:xfrm>
-          <a:prstGeom prst="rect">
-            <a:avLst/>
-          </a:prstGeom>
-          <a:noFill/>
-        </p:spPr>
-        <p:txBody>
-          <a:bodyPr wrap="square" rtlCol="0">
-            <a:spAutoFit/>
-          </a:bodyPr>
-          <a:lstStyle/>
-          <a:p>
-            <a:r>
-              <a:rPr lang="en-US" sz="1600" b="0" i="0" u="none" strike="noStrike" dirty="0">
-                <a:solidFill>
-                  <a:srgbClr val="C66431"/>
-                </a:solidFill>
-                <a:effectLst/>
-                <a:latin typeface="Arial" panose="020B0604020202020204" pitchFamily="34" charset="0"/>
-              </a:rPr>
-              <a:t>Develop management strategies</a:t>
-            </a:r>
-            <a:endParaRPr lang="en-US" sz="1600" dirty="0">
-              <a:solidFill>
-                <a:srgbClr val="C66431"/>
-              </a:solidFill>
-            </a:endParaRPr>
-          </a:p>
-        </p:txBody>
-      </p:sp>
-      <p:sp>
-        <p:nvSpPr>
-          <p:cNvPr id="37" name="TextBox 36">
-            <a:extLst>
-              <a:ext uri="{FF2B5EF4-FFF2-40B4-BE49-F238E27FC236}">
-                <a16:creationId xmlns:a16="http://schemas.microsoft.com/office/drawing/2014/main" id="{716B2819-09DE-ED35-F31B-5AFB832FF831}"/>
-              </a:ext>
-            </a:extLst>
-          </p:cNvPr>
-          <p:cNvSpPr txBox="1"/>
-          <p:nvPr/>
-        </p:nvSpPr>
-        <p:spPr>
-          <a:xfrm>
-            <a:off x="7367100" y="4219263"/>
-            <a:ext cx="1555095" cy="830997"/>
-          </a:xfrm>
-          <a:prstGeom prst="rect">
-            <a:avLst/>
-          </a:prstGeom>
-          <a:noFill/>
-        </p:spPr>
-        <p:txBody>
-          <a:bodyPr wrap="square" rtlCol="0">
-            <a:spAutoFit/>
-          </a:bodyPr>
-          <a:lstStyle/>
-          <a:p>
-            <a:r>
-              <a:rPr lang="en-US" sz="1600" b="0" i="0" u="none" strike="noStrike" dirty="0">
-                <a:solidFill>
-                  <a:srgbClr val="923288"/>
-                </a:solidFill>
-                <a:effectLst/>
-                <a:latin typeface="Arial" panose="020B0604020202020204" pitchFamily="34" charset="0"/>
-              </a:rPr>
-              <a:t>Establish monitoring programs</a:t>
-            </a:r>
-            <a:endParaRPr lang="en-US" sz="1600" dirty="0">
-              <a:solidFill>
-                <a:srgbClr val="923288"/>
-              </a:solidFill>
-            </a:endParaRPr>
-          </a:p>
-        </p:txBody>
-      </p:sp>
-      <p:sp>
-        <p:nvSpPr>
-          <p:cNvPr id="38" name="TextBox 37">
-            <a:extLst>
-              <a:ext uri="{FF2B5EF4-FFF2-40B4-BE49-F238E27FC236}">
-                <a16:creationId xmlns:a16="http://schemas.microsoft.com/office/drawing/2014/main" id="{B26637DB-89C3-DE13-78EB-0DEF43802ECC}"/>
-              </a:ext>
-            </a:extLst>
-          </p:cNvPr>
-          <p:cNvSpPr txBox="1"/>
-          <p:nvPr/>
-        </p:nvSpPr>
-        <p:spPr>
-          <a:xfrm>
-            <a:off x="6776205" y="5246250"/>
-            <a:ext cx="1555095" cy="830997"/>
-          </a:xfrm>
-          <a:prstGeom prst="rect">
-            <a:avLst/>
-          </a:prstGeom>
-          <a:noFill/>
-        </p:spPr>
-        <p:txBody>
-          <a:bodyPr wrap="square" rtlCol="0">
-            <a:spAutoFit/>
-          </a:bodyPr>
-          <a:lstStyle/>
-          <a:p>
-            <a:r>
-              <a:rPr lang="en-US" sz="1600" b="0" i="0" u="none" strike="noStrike" dirty="0">
-                <a:solidFill>
-                  <a:srgbClr val="923288"/>
-                </a:solidFill>
-                <a:effectLst/>
-                <a:latin typeface="Arial" panose="020B0604020202020204" pitchFamily="34" charset="0"/>
-              </a:rPr>
-              <a:t>Implement management strategies</a:t>
-            </a:r>
-            <a:endParaRPr lang="en-US" sz="1600" dirty="0">
-              <a:solidFill>
-                <a:srgbClr val="923288"/>
-              </a:solidFill>
-            </a:endParaRPr>
-          </a:p>
-        </p:txBody>
-      </p:sp>
-      <p:sp>
-        <p:nvSpPr>
-          <p:cNvPr id="39" name="TextBox 38">
-            <a:extLst>
-              <a:ext uri="{FF2B5EF4-FFF2-40B4-BE49-F238E27FC236}">
-                <a16:creationId xmlns:a16="http://schemas.microsoft.com/office/drawing/2014/main" id="{B50EED9E-56D7-3557-CE71-45F86AD9D5B2}"/>
-              </a:ext>
-            </a:extLst>
-          </p:cNvPr>
-          <p:cNvSpPr txBox="1"/>
-          <p:nvPr/>
-        </p:nvSpPr>
-        <p:spPr>
-          <a:xfrm>
-            <a:off x="2624410" y="5259647"/>
-            <a:ext cx="1555095" cy="584775"/>
-          </a:xfrm>
-          <a:prstGeom prst="rect">
-            <a:avLst/>
-          </a:prstGeom>
-          <a:noFill/>
-        </p:spPr>
-        <p:txBody>
-          <a:bodyPr wrap="square" rtlCol="0">
-            <a:spAutoFit/>
-          </a:bodyPr>
-          <a:lstStyle/>
-          <a:p>
-            <a:r>
-              <a:rPr lang="en-US" sz="1600" b="0" i="0" u="none" strike="noStrike" dirty="0">
+              <a:rPr lang="en-US" sz="1500" b="0" i="1" u="none" strike="noStrike" dirty="0">
                 <a:solidFill>
                   <a:srgbClr val="298DBB"/>
                 </a:solidFill>
                 <a:effectLst/>
                 <a:latin typeface="Arial" panose="020B0604020202020204" pitchFamily="34" charset="0"/>
+                <a:cs typeface="Arial" panose="020B0604020202020204" pitchFamily="34" charset="0"/>
               </a:rPr>
-              <a:t>Evaluate effectiveness</a:t>
-            </a:r>
-            <a:endParaRPr lang="en-US" sz="1600" dirty="0">
+              <a:t>Report findings and recommendations</a:t>
+            </a:r>
+            <a:endParaRPr lang="en-US" sz="1500" i="1" dirty="0">
               <a:solidFill>
                 <a:srgbClr val="298DBB"/>
               </a:solidFill>
+              <a:latin typeface="Arial" panose="020B0604020202020204" pitchFamily="34" charset="0"/>
+              <a:cs typeface="Arial" panose="020B0604020202020204" pitchFamily="34" charset="0"/>
             </a:endParaRPr>
           </a:p>
         </p:txBody>
       </p:sp>
       <p:sp>
         <p:nvSpPr>
-          <p:cNvPr id="40" name="TextBox 39">
-            <a:extLst>
-              <a:ext uri="{FF2B5EF4-FFF2-40B4-BE49-F238E27FC236}">
-                <a16:creationId xmlns:a16="http://schemas.microsoft.com/office/drawing/2014/main" id="{18E94A10-B924-93B5-902C-AE1A07370CEF}"/>
+          <p:cNvPr id="41" name="TextBox 40">
+            <a:extLst>
+              <a:ext uri="{FF2B5EF4-FFF2-40B4-BE49-F238E27FC236}">
+                <a16:creationId xmlns:a16="http://schemas.microsoft.com/office/drawing/2014/main" id="{24253C6F-272F-4830-95D5-4875B82CFD39}"/>
               </a:ext>
             </a:extLst>
           </p:cNvPr>
@@ -4538,8 +4609,8 @@
         </p:nvSpPr>
         <p:spPr>
           <a:xfrm>
-            <a:off x="1341633" y="4279448"/>
-            <a:ext cx="2029963" cy="584775"/>
+            <a:off x="1860386" y="1572362"/>
+            <a:ext cx="2029963" cy="553998"/>
           </a:xfrm>
           <a:prstGeom prst="rect">
             <a:avLst/>
@@ -4553,29 +4624,32 @@
           <a:lstStyle/>
           <a:p>
             <a:r>
-              <a:rPr lang="en-US" sz="1600" b="0" i="0" u="none" strike="noStrike" dirty="0">
+              <a:rPr lang="en-US" sz="1500" b="0" i="1" u="none" strike="noStrike" dirty="0">
                 <a:solidFill>
                   <a:srgbClr val="298DBB"/>
                 </a:solidFill>
                 <a:effectLst/>
                 <a:latin typeface="Arial" panose="020B0604020202020204" pitchFamily="34" charset="0"/>
+                <a:cs typeface="Arial" panose="020B0604020202020204" pitchFamily="34" charset="0"/>
               </a:rPr>
-              <a:t>Report findings and recommendations</a:t>
-            </a:r>
-            <a:endParaRPr lang="en-US" sz="1600" dirty="0">
+              <a:t>Periodically review overall program </a:t>
+            </a:r>
+            <a:endParaRPr lang="en-US" sz="1500" i="1" dirty="0">
               <a:solidFill>
                 <a:srgbClr val="298DBB"/>
               </a:solidFill>
+              <a:latin typeface="Arial" panose="020B0604020202020204" pitchFamily="34" charset="0"/>
+              <a:cs typeface="Arial" panose="020B0604020202020204" pitchFamily="34" charset="0"/>
             </a:endParaRPr>
           </a:p>
         </p:txBody>
       </p:sp>
       <p:sp>
         <p:nvSpPr>
-          <p:cNvPr id="41" name="TextBox 40">
-            <a:extLst>
-              <a:ext uri="{FF2B5EF4-FFF2-40B4-BE49-F238E27FC236}">
-                <a16:creationId xmlns:a16="http://schemas.microsoft.com/office/drawing/2014/main" id="{24253C6F-272F-4830-95D5-4875B82CFD39}"/>
+          <p:cNvPr id="42" name="TextBox 41">
+            <a:extLst>
+              <a:ext uri="{FF2B5EF4-FFF2-40B4-BE49-F238E27FC236}">
+                <a16:creationId xmlns:a16="http://schemas.microsoft.com/office/drawing/2014/main" id="{87CA003D-B708-2F7D-F0B8-A3E581E90ADF}"/>
               </a:ext>
             </a:extLst>
           </p:cNvPr>
@@ -4584,8 +4658,8 @@
         </p:nvSpPr>
         <p:spPr>
           <a:xfrm>
-            <a:off x="1446042" y="1824644"/>
-            <a:ext cx="2029963" cy="584775"/>
+            <a:off x="4433654" y="2018394"/>
+            <a:ext cx="2661155" cy="784830"/>
           </a:xfrm>
           <a:prstGeom prst="rect">
             <a:avLst/>
@@ -4599,65 +4673,22 @@
           <a:lstStyle/>
           <a:p>
             <a:r>
-              <a:rPr lang="en-US" sz="1600" b="0" i="0" u="none" strike="noStrike" dirty="0">
+              <a:rPr lang="en-US" sz="1500" b="0" i="1" u="none" strike="noStrike" dirty="0">
                 <a:solidFill>
                   <a:srgbClr val="298DBB"/>
                 </a:solidFill>
                 <a:effectLst/>
                 <a:latin typeface="Arial" panose="020B0604020202020204" pitchFamily="34" charset="0"/>
+                <a:cs typeface="Arial" panose="020B0604020202020204" pitchFamily="34" charset="0"/>
               </a:rPr>
-              <a:t>Periodically review overall program </a:t>
-            </a:r>
-            <a:endParaRPr lang="en-US" sz="1600" dirty="0">
+              <a:t>Adjust management strategies to increase effectiveness</a:t>
+            </a:r>
+            <a:endParaRPr lang="en-US" sz="1500" i="1" dirty="0">
               <a:solidFill>
                 <a:srgbClr val="298DBB"/>
               </a:solidFill>
-            </a:endParaRPr>
-          </a:p>
-        </p:txBody>
-      </p:sp>
-      <p:sp>
-        <p:nvSpPr>
-          <p:cNvPr id="42" name="TextBox 41">
-            <a:extLst>
-              <a:ext uri="{FF2B5EF4-FFF2-40B4-BE49-F238E27FC236}">
-                <a16:creationId xmlns:a16="http://schemas.microsoft.com/office/drawing/2014/main" id="{87CA003D-B708-2F7D-F0B8-A3E581E90ADF}"/>
-              </a:ext>
-            </a:extLst>
-          </p:cNvPr>
-          <p:cNvSpPr txBox="1"/>
-          <p:nvPr/>
-        </p:nvSpPr>
-        <p:spPr>
-          <a:xfrm>
-            <a:off x="4433654" y="2018394"/>
-            <a:ext cx="2661155" cy="830997"/>
-          </a:xfrm>
-          <a:prstGeom prst="rect">
-            <a:avLst/>
-          </a:prstGeom>
-          <a:noFill/>
-        </p:spPr>
-        <p:txBody>
-          <a:bodyPr wrap="square" rtlCol="0">
-            <a:spAutoFit/>
-          </a:bodyPr>
-          <a:lstStyle/>
-          <a:p>
-            <a:r>
-              <a:rPr lang="en-US" sz="1600" b="0" i="0" u="none" strike="noStrike" dirty="0">
-                <a:solidFill>
-                  <a:srgbClr val="298DBB"/>
-                </a:solidFill>
-                <a:effectLst/>
-                <a:latin typeface="Arial" panose="020B0604020202020204" pitchFamily="34" charset="0"/>
-              </a:rPr>
-              <a:t>Adjust management strategies to increase effectiveness</a:t>
-            </a:r>
-            <a:endParaRPr lang="en-US" sz="1600" dirty="0">
-              <a:solidFill>
-                <a:srgbClr val="298DBB"/>
-              </a:solidFill>
+              <a:latin typeface="Arial" panose="020B0604020202020204" pitchFamily="34" charset="0"/>
+              <a:cs typeface="Arial" panose="020B0604020202020204" pitchFamily="34" charset="0"/>
             </a:endParaRPr>
           </a:p>
         </p:txBody>
@@ -4680,7 +4711,13 @@
   <p:cSld>
     <p:spTree>
       <p:nvGrpSpPr>
-        <p:cNvPr id="1" name=""/>
+        <p:cNvPr id="1" name="">
+          <a:extLst>
+            <a:ext uri="{FF2B5EF4-FFF2-40B4-BE49-F238E27FC236}">
+              <a16:creationId xmlns:a16="http://schemas.microsoft.com/office/drawing/2014/main" id="{25130E61-C2B3-8862-912B-F273F884A6A6}"/>
+            </a:ext>
+          </a:extLst>
+        </p:cNvPr>
         <p:cNvGrpSpPr/>
         <p:nvPr/>
       </p:nvGrpSpPr>
@@ -4692,82 +4729,549 @@
           <a:chExt cx="0" cy="0"/>
         </a:xfrm>
       </p:grpSpPr>
-      <p:pic>
-        <p:nvPicPr>
-          <p:cNvPr id="5" name="Picture 4" descr="Diagram of a diagram of steps to improve the performance of a plan&#10;&#10;Description automatically generated with medium confidence">
-            <a:extLst>
-              <a:ext uri="{FF2B5EF4-FFF2-40B4-BE49-F238E27FC236}">
-                <a16:creationId xmlns:a16="http://schemas.microsoft.com/office/drawing/2014/main" id="{DB7E1CB8-5C10-378B-55DE-9BAB24060742}"/>
-              </a:ext>
-            </a:extLst>
-          </p:cNvPr>
-          <p:cNvPicPr>
-            <a:picLocks noChangeAspect="1"/>
-          </p:cNvPicPr>
+      <p:sp>
+        <p:nvSpPr>
+          <p:cNvPr id="17" name="Rectangle 16">
+            <a:extLst>
+              <a:ext uri="{FF2B5EF4-FFF2-40B4-BE49-F238E27FC236}">
+                <a16:creationId xmlns:a16="http://schemas.microsoft.com/office/drawing/2014/main" id="{3E73D6B9-BF66-045A-1FC7-307D9CE2FBE9}"/>
+              </a:ext>
+            </a:extLst>
+          </p:cNvPr>
+          <p:cNvSpPr/>
           <p:nvPr/>
-        </p:nvPicPr>
-        <p:blipFill>
-          <a:blip r:embed="rId2"/>
-          <a:stretch>
-            <a:fillRect/>
-          </a:stretch>
-        </p:blipFill>
+        </p:nvSpPr>
         <p:spPr>
           <a:xfrm>
-            <a:off x="938369" y="876197"/>
-            <a:ext cx="7974573" cy="5033949"/>
-          </a:xfrm>
-          <a:prstGeom prst="rect">
-            <a:avLst/>
-          </a:prstGeom>
-        </p:spPr>
-      </p:pic>
-      <p:sp>
-        <p:nvSpPr>
-          <p:cNvPr id="6" name="TextBox 5">
-            <a:extLst>
-              <a:ext uri="{FF2B5EF4-FFF2-40B4-BE49-F238E27FC236}">
-                <a16:creationId xmlns:a16="http://schemas.microsoft.com/office/drawing/2014/main" id="{4E9370DD-E838-62AD-A85A-8490A1EAF206}"/>
-              </a:ext>
-            </a:extLst>
-          </p:cNvPr>
-          <p:cNvSpPr txBox="1"/>
-          <p:nvPr/>
-        </p:nvSpPr>
-        <p:spPr>
-          <a:xfrm>
-            <a:off x="5235950" y="506865"/>
-            <a:ext cx="2139688" cy="369332"/>
+            <a:off x="8976837" y="5788573"/>
+            <a:ext cx="1923393" cy="811924"/>
           </a:xfrm>
           <a:prstGeom prst="rect">
             <a:avLst/>
           </a:prstGeom>
           <a:solidFill>
-            <a:schemeClr val="tx2">
-              <a:lumMod val="50000"/>
-              <a:lumOff val="50000"/>
+            <a:schemeClr val="bg1"/>
+          </a:solidFill>
+          <a:ln>
+            <a:noFill/>
+          </a:ln>
+        </p:spPr>
+        <p:style>
+          <a:lnRef idx="2">
+            <a:schemeClr val="accent1">
+              <a:shade val="15000"/>
             </a:schemeClr>
-          </a:solidFill>
-        </p:spPr>
-        <p:txBody>
-          <a:bodyPr wrap="none" rtlCol="0">
-            <a:spAutoFit/>
-          </a:bodyPr>
-          <a:lstStyle/>
-          <a:p>
-            <a:r>
-              <a:rPr lang="en-US" dirty="0"/>
-              <a:t>1. Define objectives</a:t>
-            </a:r>
-          </a:p>
-        </p:txBody>
-      </p:sp>
-      <p:sp>
-        <p:nvSpPr>
-          <p:cNvPr id="7" name="TextBox 6">
-            <a:extLst>
-              <a:ext uri="{FF2B5EF4-FFF2-40B4-BE49-F238E27FC236}">
-                <a16:creationId xmlns:a16="http://schemas.microsoft.com/office/drawing/2014/main" id="{1275690E-3D48-B8FF-EDDB-50F8BC2308EE}"/>
+          </a:lnRef>
+          <a:fillRef idx="1">
+            <a:schemeClr val="accent1"/>
+          </a:fillRef>
+          <a:effectRef idx="0">
+            <a:schemeClr val="accent1"/>
+          </a:effectRef>
+          <a:fontRef idx="minor">
+            <a:schemeClr val="lt1"/>
+          </a:fontRef>
+        </p:style>
+        <p:txBody>
+          <a:bodyPr rtlCol="0" anchor="ctr"/>
+          <a:lstStyle/>
+          <a:p>
+            <a:pPr algn="ctr"/>
+            <a:endParaRPr lang="en-US"/>
+          </a:p>
+        </p:txBody>
+      </p:sp>
+      <p:grpSp>
+        <p:nvGrpSpPr>
+          <p:cNvPr id="19" name="Group 18">
+            <a:extLst>
+              <a:ext uri="{FF2B5EF4-FFF2-40B4-BE49-F238E27FC236}">
+                <a16:creationId xmlns:a16="http://schemas.microsoft.com/office/drawing/2014/main" id="{C4305F88-DB69-407B-20E1-8892881F77A3}"/>
+              </a:ext>
+            </a:extLst>
+          </p:cNvPr>
+          <p:cNvGrpSpPr/>
+          <p:nvPr/>
+        </p:nvGrpSpPr>
+        <p:grpSpPr>
+          <a:xfrm>
+            <a:off x="3005934" y="1242237"/>
+            <a:ext cx="4674969" cy="4795992"/>
+            <a:chOff x="3796868" y="730469"/>
+            <a:chExt cx="5919948" cy="6145924"/>
+          </a:xfrm>
+        </p:grpSpPr>
+        <p:pic>
+          <p:nvPicPr>
+            <p:cNvPr id="11" name="Picture 2" descr="Adaptive Management | Reef Resilience">
+              <a:extLst>
+                <a:ext uri="{FF2B5EF4-FFF2-40B4-BE49-F238E27FC236}">
+                  <a16:creationId xmlns:a16="http://schemas.microsoft.com/office/drawing/2014/main" id="{36888AE7-78C7-19FB-C456-1AB66E8645B4}"/>
+                </a:ext>
+              </a:extLst>
+            </p:cNvPr>
+            <p:cNvPicPr>
+              <a:picLocks noChangeAspect="1" noChangeArrowheads="1"/>
+            </p:cNvPicPr>
+            <p:nvPr/>
+          </p:nvPicPr>
+          <p:blipFill rotWithShape="1">
+            <a:blip r:embed="rId2">
+              <a:duotone>
+                <a:schemeClr val="accent4">
+                  <a:shade val="45000"/>
+                  <a:satMod val="135000"/>
+                </a:schemeClr>
+                <a:prstClr val="white"/>
+              </a:duotone>
+              <a:extLst>
+                <a:ext uri="{BEBA8EAE-BF5A-486C-A8C5-ECC9F3942E4B}">
+                  <a14:imgProps xmlns:a14="http://schemas.microsoft.com/office/drawing/2010/main">
+                    <a14:imgLayer r:embed="rId3">
+                      <a14:imgEffect>
+                        <a14:backgroundRemoval t="9892" b="97372" l="9961" r="89844">
+                          <a14:foregroundMark x1="42773" y1="91345" x2="42773" y2="91345"/>
+                          <a14:foregroundMark x1="52637" y1="97372" x2="52637" y2="97372"/>
+                        </a14:backgroundRemoval>
+                      </a14:imgEffect>
+                    </a14:imgLayer>
+                  </a14:imgProps>
+                </a:ext>
+                <a:ext uri="{28A0092B-C50C-407E-A947-70E740481C1C}">
+                  <a14:useLocalDpi xmlns:a14="http://schemas.microsoft.com/office/drawing/2010/main" val="0"/>
+                </a:ext>
+              </a:extLst>
+            </a:blip>
+            <a:srcRect l="22506" t="10728" r="50719"/>
+            <a:stretch/>
+          </p:blipFill>
+          <p:spPr bwMode="auto">
+            <a:xfrm>
+              <a:off x="3796868" y="754117"/>
+              <a:ext cx="2906109" cy="6122276"/>
+            </a:xfrm>
+            <a:prstGeom prst="rect">
+              <a:avLst/>
+            </a:prstGeom>
+            <a:noFill/>
+            <a:extLst>
+              <a:ext uri="{909E8E84-426E-40DD-AFC4-6F175D3DCCD1}">
+                <a14:hiddenFill xmlns:a14="http://schemas.microsoft.com/office/drawing/2010/main">
+                  <a:solidFill>
+                    <a:srgbClr val="FFFFFF"/>
+                  </a:solidFill>
+                </a14:hiddenFill>
+              </a:ext>
+            </a:extLst>
+          </p:spPr>
+        </p:pic>
+        <p:pic>
+          <p:nvPicPr>
+            <p:cNvPr id="10" name="Picture 2" descr="Adaptive Management | Reef Resilience">
+              <a:extLst>
+                <a:ext uri="{FF2B5EF4-FFF2-40B4-BE49-F238E27FC236}">
+                  <a16:creationId xmlns:a16="http://schemas.microsoft.com/office/drawing/2014/main" id="{F90F8E5D-43DA-41BB-FDFC-FCB0D6207B48}"/>
+                </a:ext>
+              </a:extLst>
+            </p:cNvPr>
+            <p:cNvPicPr>
+              <a:picLocks noChangeAspect="1" noChangeArrowheads="1"/>
+            </p:cNvPicPr>
+            <p:nvPr/>
+          </p:nvPicPr>
+          <p:blipFill rotWithShape="1">
+            <a:blip r:embed="rId2">
+              <a:duotone>
+                <a:schemeClr val="accent5">
+                  <a:shade val="45000"/>
+                  <a:satMod val="135000"/>
+                </a:schemeClr>
+                <a:prstClr val="white"/>
+              </a:duotone>
+              <a:extLst>
+                <a:ext uri="{BEBA8EAE-BF5A-486C-A8C5-ECC9F3942E4B}">
+                  <a14:imgProps xmlns:a14="http://schemas.microsoft.com/office/drawing/2010/main">
+                    <a14:imgLayer r:embed="rId4">
+                      <a14:imgEffect>
+                        <a14:backgroundRemoval t="9892" b="97372" l="9961" r="89844">
+                          <a14:foregroundMark x1="42773" y1="91345" x2="42773" y2="91345"/>
+                          <a14:foregroundMark x1="52637" y1="97372" x2="52637" y2="97372"/>
+                        </a14:backgroundRemoval>
+                      </a14:imgEffect>
+                    </a14:imgLayer>
+                  </a14:imgProps>
+                </a:ext>
+                <a:ext uri="{28A0092B-C50C-407E-A947-70E740481C1C}">
+                  <a14:useLocalDpi xmlns:a14="http://schemas.microsoft.com/office/drawing/2010/main" val="0"/>
+                </a:ext>
+              </a:extLst>
+            </a:blip>
+            <a:srcRect l="46280" t="59043" r="22976" b="-1"/>
+            <a:stretch/>
+          </p:blipFill>
+          <p:spPr bwMode="auto">
+            <a:xfrm>
+              <a:off x="6379780" y="4049111"/>
+              <a:ext cx="3337036" cy="2808889"/>
+            </a:xfrm>
+            <a:prstGeom prst="rect">
+              <a:avLst/>
+            </a:prstGeom>
+            <a:noFill/>
+            <a:extLst>
+              <a:ext uri="{909E8E84-426E-40DD-AFC4-6F175D3DCCD1}">
+                <a14:hiddenFill xmlns:a14="http://schemas.microsoft.com/office/drawing/2010/main">
+                  <a:solidFill>
+                    <a:srgbClr val="FFFFFF"/>
+                  </a:solidFill>
+                </a14:hiddenFill>
+              </a:ext>
+            </a:extLst>
+          </p:spPr>
+        </p:pic>
+        <p:pic>
+          <p:nvPicPr>
+            <p:cNvPr id="12" name="Picture 2" descr="Adaptive Management | Reef Resilience">
+              <a:extLst>
+                <a:ext uri="{FF2B5EF4-FFF2-40B4-BE49-F238E27FC236}">
+                  <a16:creationId xmlns:a16="http://schemas.microsoft.com/office/drawing/2014/main" id="{984CBCEE-ADB8-7948-6F2A-1109E456013F}"/>
+                </a:ext>
+              </a:extLst>
+            </p:cNvPr>
+            <p:cNvPicPr>
+              <a:picLocks noChangeAspect="1" noChangeArrowheads="1"/>
+            </p:cNvPicPr>
+            <p:nvPr/>
+          </p:nvPicPr>
+          <p:blipFill rotWithShape="1">
+            <a:blip r:embed="rId2">
+              <a:duotone>
+                <a:schemeClr val="accent2">
+                  <a:shade val="45000"/>
+                  <a:satMod val="135000"/>
+                </a:schemeClr>
+                <a:prstClr val="white"/>
+              </a:duotone>
+              <a:extLst>
+                <a:ext uri="{BEBA8EAE-BF5A-486C-A8C5-ECC9F3942E4B}">
+                  <a14:imgProps xmlns:a14="http://schemas.microsoft.com/office/drawing/2010/main">
+                    <a14:imgLayer r:embed="rId5">
+                      <a14:imgEffect>
+                        <a14:backgroundRemoval t="9892" b="97372" l="9961" r="89844">
+                          <a14:foregroundMark x1="42773" y1="91345" x2="42773" y2="91345"/>
+                          <a14:foregroundMark x1="52637" y1="97372" x2="52637" y2="97372"/>
+                        </a14:backgroundRemoval>
+                      </a14:imgEffect>
+                    </a14:imgLayer>
+                  </a14:imgProps>
+                </a:ext>
+                <a:ext uri="{28A0092B-C50C-407E-A947-70E740481C1C}">
+                  <a14:useLocalDpi xmlns:a14="http://schemas.microsoft.com/office/drawing/2010/main" val="0"/>
+                </a:ext>
+              </a:extLst>
+            </a:blip>
+            <a:srcRect l="48942" t="10728" r="22976" b="40881"/>
+            <a:stretch/>
+          </p:blipFill>
+          <p:spPr bwMode="auto">
+            <a:xfrm>
+              <a:off x="6668818" y="730469"/>
+              <a:ext cx="3047998" cy="3318642"/>
+            </a:xfrm>
+            <a:prstGeom prst="rect">
+              <a:avLst/>
+            </a:prstGeom>
+            <a:noFill/>
+            <a:extLst>
+              <a:ext uri="{909E8E84-426E-40DD-AFC4-6F175D3DCCD1}">
+                <a14:hiddenFill xmlns:a14="http://schemas.microsoft.com/office/drawing/2010/main">
+                  <a:solidFill>
+                    <a:srgbClr val="FFFFFF"/>
+                  </a:solidFill>
+                </a14:hiddenFill>
+              </a:ext>
+            </a:extLst>
+          </p:spPr>
+        </p:pic>
+        <p:sp>
+          <p:nvSpPr>
+            <p:cNvPr id="13" name="Rectangle 12">
+              <a:extLst>
+                <a:ext uri="{FF2B5EF4-FFF2-40B4-BE49-F238E27FC236}">
+                  <a16:creationId xmlns:a16="http://schemas.microsoft.com/office/drawing/2014/main" id="{8B540DD5-4AD2-C717-A229-821AA7436482}"/>
+                </a:ext>
+              </a:extLst>
+            </p:cNvPr>
+            <p:cNvSpPr/>
+            <p:nvPr/>
+          </p:nvSpPr>
+          <p:spPr>
+            <a:xfrm>
+              <a:off x="6453352" y="2732690"/>
+              <a:ext cx="1923393" cy="2165131"/>
+            </a:xfrm>
+            <a:prstGeom prst="rect">
+              <a:avLst/>
+            </a:prstGeom>
+            <a:solidFill>
+              <a:schemeClr val="bg1"/>
+            </a:solidFill>
+            <a:ln>
+              <a:noFill/>
+            </a:ln>
+          </p:spPr>
+          <p:style>
+            <a:lnRef idx="2">
+              <a:schemeClr val="accent1">
+                <a:shade val="15000"/>
+              </a:schemeClr>
+            </a:lnRef>
+            <a:fillRef idx="1">
+              <a:schemeClr val="accent1"/>
+            </a:fillRef>
+            <a:effectRef idx="0">
+              <a:schemeClr val="accent1"/>
+            </a:effectRef>
+            <a:fontRef idx="minor">
+              <a:schemeClr val="lt1"/>
+            </a:fontRef>
+          </p:style>
+          <p:txBody>
+            <a:bodyPr rtlCol="0" anchor="ctr"/>
+            <a:lstStyle/>
+            <a:p>
+              <a:pPr algn="ctr"/>
+              <a:endParaRPr lang="en-US"/>
+            </a:p>
+          </p:txBody>
+        </p:sp>
+        <p:sp>
+          <p:nvSpPr>
+            <p:cNvPr id="14" name="Rectangle 13">
+              <a:extLst>
+                <a:ext uri="{FF2B5EF4-FFF2-40B4-BE49-F238E27FC236}">
+                  <a16:creationId xmlns:a16="http://schemas.microsoft.com/office/drawing/2014/main" id="{6B6D28CC-01CB-9FBA-FA7B-49CA41C1F6A3}"/>
+                </a:ext>
+              </a:extLst>
+            </p:cNvPr>
+            <p:cNvSpPr/>
+            <p:nvPr/>
+          </p:nvSpPr>
+          <p:spPr>
+            <a:xfrm>
+              <a:off x="6453352" y="3074277"/>
+              <a:ext cx="1923393" cy="2165131"/>
+            </a:xfrm>
+            <a:prstGeom prst="rect">
+              <a:avLst/>
+            </a:prstGeom>
+            <a:solidFill>
+              <a:schemeClr val="bg1"/>
+            </a:solidFill>
+            <a:ln>
+              <a:noFill/>
+            </a:ln>
+          </p:spPr>
+          <p:style>
+            <a:lnRef idx="2">
+              <a:schemeClr val="accent1">
+                <a:shade val="15000"/>
+              </a:schemeClr>
+            </a:lnRef>
+            <a:fillRef idx="1">
+              <a:schemeClr val="accent1"/>
+            </a:fillRef>
+            <a:effectRef idx="0">
+              <a:schemeClr val="accent1"/>
+            </a:effectRef>
+            <a:fontRef idx="minor">
+              <a:schemeClr val="lt1"/>
+            </a:fontRef>
+          </p:style>
+          <p:txBody>
+            <a:bodyPr rtlCol="0" anchor="ctr"/>
+            <a:lstStyle/>
+            <a:p>
+              <a:pPr algn="ctr"/>
+              <a:endParaRPr lang="en-US"/>
+            </a:p>
+          </p:txBody>
+        </p:sp>
+        <p:sp>
+          <p:nvSpPr>
+            <p:cNvPr id="15" name="Rectangle 14">
+              <a:extLst>
+                <a:ext uri="{FF2B5EF4-FFF2-40B4-BE49-F238E27FC236}">
+                  <a16:creationId xmlns:a16="http://schemas.microsoft.com/office/drawing/2014/main" id="{6E8AF75C-55F4-84EB-794E-8AE36E3E5763}"/>
+                </a:ext>
+              </a:extLst>
+            </p:cNvPr>
+            <p:cNvSpPr/>
+            <p:nvPr/>
+          </p:nvSpPr>
+          <p:spPr>
+            <a:xfrm>
+              <a:off x="6647797" y="4212021"/>
+              <a:ext cx="1923393" cy="811924"/>
+            </a:xfrm>
+            <a:prstGeom prst="rect">
+              <a:avLst/>
+            </a:prstGeom>
+            <a:solidFill>
+              <a:schemeClr val="bg1"/>
+            </a:solidFill>
+            <a:ln>
+              <a:noFill/>
+            </a:ln>
+          </p:spPr>
+          <p:style>
+            <a:lnRef idx="2">
+              <a:schemeClr val="accent1">
+                <a:shade val="15000"/>
+              </a:schemeClr>
+            </a:lnRef>
+            <a:fillRef idx="1">
+              <a:schemeClr val="accent1"/>
+            </a:fillRef>
+            <a:effectRef idx="0">
+              <a:schemeClr val="accent1"/>
+            </a:effectRef>
+            <a:fontRef idx="minor">
+              <a:schemeClr val="lt1"/>
+            </a:fontRef>
+          </p:style>
+          <p:txBody>
+            <a:bodyPr rtlCol="0" anchor="ctr"/>
+            <a:lstStyle/>
+            <a:p>
+              <a:pPr algn="ctr"/>
+              <a:endParaRPr lang="en-US"/>
+            </a:p>
+          </p:txBody>
+        </p:sp>
+        <p:sp>
+          <p:nvSpPr>
+            <p:cNvPr id="16" name="Rectangle 15">
+              <a:extLst>
+                <a:ext uri="{FF2B5EF4-FFF2-40B4-BE49-F238E27FC236}">
+                  <a16:creationId xmlns:a16="http://schemas.microsoft.com/office/drawing/2014/main" id="{3DB43FCA-E0B9-4059-AF5B-AB65A26373D5}"/>
+                </a:ext>
+              </a:extLst>
+            </p:cNvPr>
+            <p:cNvSpPr/>
+            <p:nvPr/>
+          </p:nvSpPr>
+          <p:spPr>
+            <a:xfrm>
+              <a:off x="6550574" y="4364421"/>
+              <a:ext cx="1923393" cy="811924"/>
+            </a:xfrm>
+            <a:prstGeom prst="rect">
+              <a:avLst/>
+            </a:prstGeom>
+            <a:solidFill>
+              <a:schemeClr val="bg1"/>
+            </a:solidFill>
+            <a:ln>
+              <a:noFill/>
+            </a:ln>
+          </p:spPr>
+          <p:style>
+            <a:lnRef idx="2">
+              <a:schemeClr val="accent1">
+                <a:shade val="15000"/>
+              </a:schemeClr>
+            </a:lnRef>
+            <a:fillRef idx="1">
+              <a:schemeClr val="accent1"/>
+            </a:fillRef>
+            <a:effectRef idx="0">
+              <a:schemeClr val="accent1"/>
+            </a:effectRef>
+            <a:fontRef idx="minor">
+              <a:schemeClr val="lt1"/>
+            </a:fontRef>
+          </p:style>
+          <p:txBody>
+            <a:bodyPr rtlCol="0" anchor="ctr"/>
+            <a:lstStyle/>
+            <a:p>
+              <a:pPr algn="ctr"/>
+              <a:endParaRPr lang="en-US"/>
+            </a:p>
+          </p:txBody>
+        </p:sp>
+        <p:pic>
+          <p:nvPicPr>
+            <p:cNvPr id="18" name="Picture 2" descr="Adaptive Management | Reef Resilience">
+              <a:extLst>
+                <a:ext uri="{FF2B5EF4-FFF2-40B4-BE49-F238E27FC236}">
+                  <a16:creationId xmlns:a16="http://schemas.microsoft.com/office/drawing/2014/main" id="{7325D598-3BA5-D6F2-06D7-DF52ACCE35F6}"/>
+                </a:ext>
+              </a:extLst>
+            </p:cNvPr>
+            <p:cNvPicPr>
+              <a:picLocks noChangeAspect="1" noChangeArrowheads="1"/>
+            </p:cNvPicPr>
+            <p:nvPr/>
+          </p:nvPicPr>
+          <p:blipFill rotWithShape="1">
+            <a:blip r:embed="rId2">
+              <a:duotone>
+                <a:schemeClr val="accent4">
+                  <a:shade val="45000"/>
+                  <a:satMod val="135000"/>
+                </a:schemeClr>
+                <a:prstClr val="white"/>
+              </a:duotone>
+              <a:extLst>
+                <a:ext uri="{BEBA8EAE-BF5A-486C-A8C5-ECC9F3942E4B}">
+                  <a14:imgProps xmlns:a14="http://schemas.microsoft.com/office/drawing/2010/main">
+                    <a14:imgLayer r:embed="rId6">
+                      <a14:imgEffect>
+                        <a14:backgroundRemoval t="9892" b="97372" l="9961" r="89844">
+                          <a14:foregroundMark x1="42773" y1="91345" x2="42773" y2="91345"/>
+                          <a14:foregroundMark x1="52637" y1="97372" x2="52637" y2="97372"/>
+                        </a14:backgroundRemoval>
+                      </a14:imgEffect>
+                    </a14:imgLayer>
+                  </a14:imgProps>
+                </a:ext>
+                <a:ext uri="{28A0092B-C50C-407E-A947-70E740481C1C}">
+                  <a14:useLocalDpi xmlns:a14="http://schemas.microsoft.com/office/drawing/2010/main" val="0"/>
+                </a:ext>
+              </a:extLst>
+            </a:blip>
+            <a:srcRect l="28013" t="40115" r="33289" b="23869"/>
+            <a:stretch/>
+          </p:blipFill>
+          <p:spPr bwMode="auto">
+            <a:xfrm>
+              <a:off x="4370990" y="2779988"/>
+              <a:ext cx="4200200" cy="2469931"/>
+            </a:xfrm>
+            <a:prstGeom prst="rect">
+              <a:avLst/>
+            </a:prstGeom>
+            <a:noFill/>
+            <a:extLst>
+              <a:ext uri="{909E8E84-426E-40DD-AFC4-6F175D3DCCD1}">
+                <a14:hiddenFill xmlns:a14="http://schemas.microsoft.com/office/drawing/2010/main">
+                  <a:solidFill>
+                    <a:srgbClr val="FFFFFF"/>
+                  </a:solidFill>
+                </a14:hiddenFill>
+              </a:ext>
+            </a:extLst>
+          </p:spPr>
+        </p:pic>
+      </p:grpSp>
+      <p:sp>
+        <p:nvSpPr>
+          <p:cNvPr id="20" name="TextBox 19">
+            <a:extLst>
+              <a:ext uri="{FF2B5EF4-FFF2-40B4-BE49-F238E27FC236}">
+                <a16:creationId xmlns:a16="http://schemas.microsoft.com/office/drawing/2014/main" id="{624EA464-75B5-4685-89CD-3D9C098F8CB5}"/>
               </a:ext>
             </a:extLst>
           </p:cNvPr>
@@ -4776,18 +5280,13 @@
         </p:nvSpPr>
         <p:spPr>
           <a:xfrm>
-            <a:off x="7609622" y="1412885"/>
-            <a:ext cx="2961734" cy="646331"/>
+            <a:off x="6885815" y="182997"/>
+            <a:ext cx="4072759" cy="615553"/>
           </a:xfrm>
           <a:prstGeom prst="rect">
             <a:avLst/>
           </a:prstGeom>
-          <a:solidFill>
-            <a:schemeClr val="tx2">
-              <a:lumMod val="50000"/>
-              <a:lumOff val="50000"/>
-            </a:schemeClr>
-          </a:solidFill>
+          <a:noFill/>
         </p:spPr>
         <p:txBody>
           <a:bodyPr wrap="square" rtlCol="0">
@@ -4796,26 +5295,29 @@
           <a:lstStyle/>
           <a:p>
             <a:r>
-              <a:rPr lang="en-US" dirty="0"/>
-              <a:t>2. </a:t>
-            </a:r>
-            <a:r>
-              <a:rPr lang="en-US" i="1" dirty="0"/>
-              <a:t>Define</a:t>
-            </a:r>
-            <a:r>
-              <a:rPr lang="en-US" dirty="0"/>
-              <a:t> data to assess/adjusts policies</a:t>
-            </a:r>
-          </a:p>
-        </p:txBody>
-      </p:sp>
-      <p:sp>
-        <p:nvSpPr>
-          <p:cNvPr id="8" name="TextBox 7">
-            <a:extLst>
-              <a:ext uri="{FF2B5EF4-FFF2-40B4-BE49-F238E27FC236}">
-                <a16:creationId xmlns:a16="http://schemas.microsoft.com/office/drawing/2014/main" id="{42FA3D6E-292B-C096-5404-38E648E3B3FA}"/>
+              <a:rPr lang="en-US" sz="1700" b="1" i="0" u="none" strike="noStrike" dirty="0">
+                <a:solidFill>
+                  <a:srgbClr val="C66431"/>
+                </a:solidFill>
+                <a:effectLst/>
+                <a:latin typeface="Arial" panose="020B0604020202020204" pitchFamily="34" charset="0"/>
+              </a:rPr>
+              <a:t>1. Define clear and measurable management objectives</a:t>
+            </a:r>
+            <a:endParaRPr lang="en-US" sz="1700" b="1" dirty="0">
+              <a:solidFill>
+                <a:srgbClr val="C66431"/>
+              </a:solidFill>
+            </a:endParaRPr>
+          </a:p>
+        </p:txBody>
+      </p:sp>
+      <p:sp>
+        <p:nvSpPr>
+          <p:cNvPr id="21" name="TextBox 20">
+            <a:extLst>
+              <a:ext uri="{FF2B5EF4-FFF2-40B4-BE49-F238E27FC236}">
+                <a16:creationId xmlns:a16="http://schemas.microsoft.com/office/drawing/2014/main" id="{BC19A0E5-476A-E92D-06D6-626994417B03}"/>
               </a:ext>
             </a:extLst>
           </p:cNvPr>
@@ -4824,18 +5326,13 @@
         </p:nvSpPr>
         <p:spPr>
           <a:xfrm>
-            <a:off x="112284" y="4360802"/>
-            <a:ext cx="2961734" cy="369332"/>
+            <a:off x="8024540" y="956360"/>
+            <a:ext cx="4072759" cy="615553"/>
           </a:xfrm>
           <a:prstGeom prst="rect">
             <a:avLst/>
           </a:prstGeom>
-          <a:solidFill>
-            <a:schemeClr val="tx2">
-              <a:lumMod val="50000"/>
-              <a:lumOff val="50000"/>
-            </a:schemeClr>
-          </a:solidFill>
+          <a:noFill/>
         </p:spPr>
         <p:txBody>
           <a:bodyPr wrap="square" rtlCol="0">
@@ -4844,18 +5341,38 @@
           <a:lstStyle/>
           <a:p>
             <a:r>
-              <a:rPr lang="en-US" dirty="0"/>
-              <a:t>3. Conduct regular reviews</a:t>
-            </a:r>
-          </a:p>
-        </p:txBody>
-      </p:sp>
-      <p:sp>
-        <p:nvSpPr>
-          <p:cNvPr id="9" name="TextBox 8">
-            <a:extLst>
-              <a:ext uri="{FF2B5EF4-FFF2-40B4-BE49-F238E27FC236}">
-                <a16:creationId xmlns:a16="http://schemas.microsoft.com/office/drawing/2014/main" id="{EBC0BFC1-661A-22AD-9EA7-24A2330261AB}"/>
+              <a:rPr lang="en-US" sz="1700" b="1" dirty="0">
+                <a:solidFill>
+                  <a:srgbClr val="C66431"/>
+                </a:solidFill>
+                <a:latin typeface="Arial" panose="020B0604020202020204" pitchFamily="34" charset="0"/>
+              </a:rPr>
+              <a:t>3</a:t>
+            </a:r>
+            <a:r>
+              <a:rPr lang="en-US" sz="1700" b="1" i="0" u="none" strike="noStrike" dirty="0">
+                <a:solidFill>
+                  <a:srgbClr val="C66431"/>
+                </a:solidFill>
+                <a:effectLst/>
+                <a:latin typeface="Arial" panose="020B0604020202020204" pitchFamily="34" charset="0"/>
+              </a:rPr>
+              <a:t>. Define and collect data required to assess and adjust allocation policies</a:t>
+            </a:r>
+            <a:endParaRPr lang="en-US" sz="1700" b="1" dirty="0">
+              <a:solidFill>
+                <a:srgbClr val="C66431"/>
+              </a:solidFill>
+            </a:endParaRPr>
+          </a:p>
+        </p:txBody>
+      </p:sp>
+      <p:sp>
+        <p:nvSpPr>
+          <p:cNvPr id="23" name="TextBox 22">
+            <a:extLst>
+              <a:ext uri="{FF2B5EF4-FFF2-40B4-BE49-F238E27FC236}">
+                <a16:creationId xmlns:a16="http://schemas.microsoft.com/office/drawing/2014/main" id="{C16DEF79-8F38-C04C-2883-25500FEE3306}"/>
               </a:ext>
             </a:extLst>
           </p:cNvPr>
@@ -4864,18 +5381,291 @@
         </p:nvSpPr>
         <p:spPr>
           <a:xfrm>
-            <a:off x="8961559" y="2286489"/>
-            <a:ext cx="2961734" cy="646331"/>
+            <a:off x="8854354" y="1795155"/>
+            <a:ext cx="3337036" cy="877163"/>
           </a:xfrm>
           <a:prstGeom prst="rect">
             <a:avLst/>
           </a:prstGeom>
-          <a:solidFill>
-            <a:schemeClr val="tx2">
-              <a:lumMod val="50000"/>
-              <a:lumOff val="50000"/>
-            </a:schemeClr>
-          </a:solidFill>
+          <a:noFill/>
+        </p:spPr>
+        <p:txBody>
+          <a:bodyPr wrap="square">
+            <a:spAutoFit/>
+          </a:bodyPr>
+          <a:lstStyle/>
+          <a:p>
+            <a:r>
+              <a:rPr lang="en-US" sz="1700" b="1" dirty="0">
+                <a:solidFill>
+                  <a:srgbClr val="C66431"/>
+                </a:solidFill>
+                <a:latin typeface="Arial" panose="020B0604020202020204" pitchFamily="34" charset="0"/>
+              </a:rPr>
+              <a:t>4. </a:t>
+            </a:r>
+            <a:r>
+              <a:rPr lang="en-US" sz="1700" b="1" i="0" u="none" strike="noStrike" dirty="0">
+                <a:solidFill>
+                  <a:srgbClr val="C66431"/>
+                </a:solidFill>
+                <a:effectLst/>
+                <a:latin typeface="Arial" panose="020B0604020202020204" pitchFamily="34" charset="0"/>
+              </a:rPr>
+              <a:t>Balance historical and contemporary resource access in setting allocations</a:t>
+            </a:r>
+            <a:endParaRPr lang="en-US" sz="1700" b="1" dirty="0">
+              <a:solidFill>
+                <a:srgbClr val="C66431"/>
+              </a:solidFill>
+            </a:endParaRPr>
+          </a:p>
+        </p:txBody>
+      </p:sp>
+      <p:sp>
+        <p:nvSpPr>
+          <p:cNvPr id="25" name="TextBox 24">
+            <a:extLst>
+              <a:ext uri="{FF2B5EF4-FFF2-40B4-BE49-F238E27FC236}">
+                <a16:creationId xmlns:a16="http://schemas.microsoft.com/office/drawing/2014/main" id="{16044CAE-4633-5BFB-3C22-6AF0243303B7}"/>
+              </a:ext>
+            </a:extLst>
+          </p:cNvPr>
+          <p:cNvSpPr txBox="1"/>
+          <p:nvPr/>
+        </p:nvSpPr>
+        <p:spPr>
+          <a:xfrm>
+            <a:off x="3675046" y="3532537"/>
+            <a:ext cx="2488074" cy="1138773"/>
+          </a:xfrm>
+          <a:prstGeom prst="rect">
+            <a:avLst/>
+          </a:prstGeom>
+          <a:noFill/>
+        </p:spPr>
+        <p:txBody>
+          <a:bodyPr wrap="square">
+            <a:spAutoFit/>
+          </a:bodyPr>
+          <a:lstStyle/>
+          <a:p>
+            <a:r>
+              <a:rPr lang="en-US" sz="1700" b="1" i="0" u="none" strike="noStrike" dirty="0">
+                <a:solidFill>
+                  <a:srgbClr val="298DBB"/>
+                </a:solidFill>
+                <a:effectLst/>
+                <a:latin typeface="Arial" panose="020B0604020202020204" pitchFamily="34" charset="0"/>
+              </a:rPr>
+              <a:t>5. Facilitate quota transfers between regions, sectors, and individuals</a:t>
+            </a:r>
+            <a:endParaRPr lang="en-US" sz="1700" b="1" dirty="0">
+              <a:solidFill>
+                <a:srgbClr val="298DBB"/>
+              </a:solidFill>
+            </a:endParaRPr>
+          </a:p>
+        </p:txBody>
+      </p:sp>
+      <p:sp>
+        <p:nvSpPr>
+          <p:cNvPr id="27" name="TextBox 26">
+            <a:extLst>
+              <a:ext uri="{FF2B5EF4-FFF2-40B4-BE49-F238E27FC236}">
+                <a16:creationId xmlns:a16="http://schemas.microsoft.com/office/drawing/2014/main" id="{A11CFDBD-7B07-469C-9F27-4D3612F8AA45}"/>
+              </a:ext>
+            </a:extLst>
+          </p:cNvPr>
+          <p:cNvSpPr txBox="1"/>
+          <p:nvPr/>
+        </p:nvSpPr>
+        <p:spPr>
+          <a:xfrm>
+            <a:off x="8765647" y="4326984"/>
+            <a:ext cx="2652551" cy="615553"/>
+          </a:xfrm>
+          <a:prstGeom prst="rect">
+            <a:avLst/>
+          </a:prstGeom>
+          <a:noFill/>
+        </p:spPr>
+        <p:txBody>
+          <a:bodyPr wrap="square">
+            <a:spAutoFit/>
+          </a:bodyPr>
+          <a:lstStyle/>
+          <a:p>
+            <a:r>
+              <a:rPr lang="en-US" sz="1700" b="1" i="0" u="none" strike="noStrike" dirty="0">
+                <a:solidFill>
+                  <a:srgbClr val="923288"/>
+                </a:solidFill>
+                <a:effectLst/>
+                <a:latin typeface="Arial" panose="020B0604020202020204" pitchFamily="34" charset="0"/>
+              </a:rPr>
+              <a:t>6. Ensure opportunities for new entrants</a:t>
+            </a:r>
+            <a:endParaRPr lang="en-US" sz="1700" b="1" dirty="0">
+              <a:solidFill>
+                <a:srgbClr val="923288"/>
+              </a:solidFill>
+            </a:endParaRPr>
+          </a:p>
+        </p:txBody>
+      </p:sp>
+      <p:sp>
+        <p:nvSpPr>
+          <p:cNvPr id="29" name="TextBox 28">
+            <a:extLst>
+              <a:ext uri="{FF2B5EF4-FFF2-40B4-BE49-F238E27FC236}">
+                <a16:creationId xmlns:a16="http://schemas.microsoft.com/office/drawing/2014/main" id="{7346BF52-9438-A531-562B-D477EC198696}"/>
+              </a:ext>
+            </a:extLst>
+          </p:cNvPr>
+          <p:cNvSpPr txBox="1"/>
+          <p:nvPr/>
+        </p:nvSpPr>
+        <p:spPr>
+          <a:xfrm>
+            <a:off x="8976837" y="2887197"/>
+            <a:ext cx="3047998" cy="877163"/>
+          </a:xfrm>
+          <a:prstGeom prst="rect">
+            <a:avLst/>
+          </a:prstGeom>
+          <a:noFill/>
+        </p:spPr>
+        <p:txBody>
+          <a:bodyPr wrap="square">
+            <a:spAutoFit/>
+          </a:bodyPr>
+          <a:lstStyle/>
+          <a:p>
+            <a:r>
+              <a:rPr lang="en-US" sz="1700" b="1" i="0" u="none" strike="noStrike" dirty="0">
+                <a:solidFill>
+                  <a:srgbClr val="C66431"/>
+                </a:solidFill>
+                <a:effectLst/>
+                <a:latin typeface="Arial" panose="020B0604020202020204" pitchFamily="34" charset="0"/>
+              </a:rPr>
+              <a:t>7. Allocate quota for research and experimentation</a:t>
+            </a:r>
+            <a:endParaRPr lang="en-US" sz="1700" b="1" dirty="0">
+              <a:solidFill>
+                <a:srgbClr val="C66431"/>
+              </a:solidFill>
+            </a:endParaRPr>
+          </a:p>
+        </p:txBody>
+      </p:sp>
+      <p:sp>
+        <p:nvSpPr>
+          <p:cNvPr id="31" name="TextBox 30">
+            <a:extLst>
+              <a:ext uri="{FF2B5EF4-FFF2-40B4-BE49-F238E27FC236}">
+                <a16:creationId xmlns:a16="http://schemas.microsoft.com/office/drawing/2014/main" id="{FFBDA8EA-4359-6E2C-4E1A-5BD8BF6C7616}"/>
+              </a:ext>
+            </a:extLst>
+          </p:cNvPr>
+          <p:cNvSpPr txBox="1"/>
+          <p:nvPr/>
+        </p:nvSpPr>
+        <p:spPr>
+          <a:xfrm>
+            <a:off x="8308135" y="5197384"/>
+            <a:ext cx="3861235" cy="615553"/>
+          </a:xfrm>
+          <a:prstGeom prst="rect">
+            <a:avLst/>
+          </a:prstGeom>
+          <a:noFill/>
+        </p:spPr>
+        <p:txBody>
+          <a:bodyPr wrap="square">
+            <a:spAutoFit/>
+          </a:bodyPr>
+          <a:lstStyle/>
+          <a:p>
+            <a:r>
+              <a:rPr lang="en-US" sz="1700" b="1" i="0" u="none" strike="noStrike" dirty="0">
+                <a:solidFill>
+                  <a:srgbClr val="923288"/>
+                </a:solidFill>
+                <a:effectLst/>
+                <a:latin typeface="Arial" panose="020B0604020202020204" pitchFamily="34" charset="0"/>
+              </a:rPr>
+              <a:t>8. Reduce impacts of changes to allocation policies on stakeholders</a:t>
+            </a:r>
+            <a:endParaRPr lang="en-US" sz="1700" b="1" dirty="0">
+              <a:solidFill>
+                <a:srgbClr val="923288"/>
+              </a:solidFill>
+            </a:endParaRPr>
+          </a:p>
+        </p:txBody>
+      </p:sp>
+      <p:sp>
+        <p:nvSpPr>
+          <p:cNvPr id="33" name="TextBox 32">
+            <a:extLst>
+              <a:ext uri="{FF2B5EF4-FFF2-40B4-BE49-F238E27FC236}">
+                <a16:creationId xmlns:a16="http://schemas.microsoft.com/office/drawing/2014/main" id="{6C145C00-B6FE-3B2B-F7E9-D3E847705814}"/>
+              </a:ext>
+            </a:extLst>
+          </p:cNvPr>
+          <p:cNvSpPr txBox="1"/>
+          <p:nvPr/>
+        </p:nvSpPr>
+        <p:spPr>
+          <a:xfrm>
+            <a:off x="266973" y="5153917"/>
+            <a:ext cx="2219629" cy="877163"/>
+          </a:xfrm>
+          <a:prstGeom prst="rect">
+            <a:avLst/>
+          </a:prstGeom>
+          <a:noFill/>
+        </p:spPr>
+        <p:txBody>
+          <a:bodyPr wrap="square">
+            <a:spAutoFit/>
+          </a:bodyPr>
+          <a:lstStyle/>
+          <a:p>
+            <a:r>
+              <a:rPr lang="en-US" sz="1700" b="1" dirty="0">
+                <a:solidFill>
+                  <a:srgbClr val="298DBB"/>
+                </a:solidFill>
+              </a:rPr>
+              <a:t>2. Conduct regular reviews of allocation policies</a:t>
+            </a:r>
+          </a:p>
+        </p:txBody>
+      </p:sp>
+      <p:sp>
+        <p:nvSpPr>
+          <p:cNvPr id="34" name="TextBox 33">
+            <a:extLst>
+              <a:ext uri="{FF2B5EF4-FFF2-40B4-BE49-F238E27FC236}">
+                <a16:creationId xmlns:a16="http://schemas.microsoft.com/office/drawing/2014/main" id="{46A32604-7109-346E-1A37-E1E55C779A47}"/>
+              </a:ext>
+            </a:extLst>
+          </p:cNvPr>
+          <p:cNvSpPr txBox="1"/>
+          <p:nvPr/>
+        </p:nvSpPr>
+        <p:spPr>
+          <a:xfrm>
+            <a:off x="5544290" y="577813"/>
+            <a:ext cx="1866227" cy="830997"/>
+          </a:xfrm>
+          <a:prstGeom prst="rect">
+            <a:avLst/>
+          </a:prstGeom>
+          <a:noFill/>
         </p:spPr>
         <p:txBody>
           <a:bodyPr wrap="square" rtlCol="0">
@@ -4884,18 +5674,29 @@
           <a:lstStyle/>
           <a:p>
             <a:r>
-              <a:rPr lang="en-US" dirty="0"/>
-              <a:t>4. Balance historical and contemporary access</a:t>
-            </a:r>
-          </a:p>
-        </p:txBody>
-      </p:sp>
-      <p:sp>
-        <p:nvSpPr>
-          <p:cNvPr id="10" name="TextBox 9">
-            <a:extLst>
-              <a:ext uri="{FF2B5EF4-FFF2-40B4-BE49-F238E27FC236}">
-                <a16:creationId xmlns:a16="http://schemas.microsoft.com/office/drawing/2014/main" id="{15176DBB-9392-B515-D5B7-7D3EAF569B74}"/>
+              <a:rPr lang="en-US" sz="1600" b="0" i="0" u="none" strike="noStrike" dirty="0">
+                <a:solidFill>
+                  <a:srgbClr val="C66431"/>
+                </a:solidFill>
+                <a:effectLst/>
+                <a:latin typeface="Arial" panose="020B0604020202020204" pitchFamily="34" charset="0"/>
+              </a:rPr>
+              <a:t>Define management objectives</a:t>
+            </a:r>
+            <a:endParaRPr lang="en-US" sz="1600" dirty="0">
+              <a:solidFill>
+                <a:srgbClr val="C66431"/>
+              </a:solidFill>
+            </a:endParaRPr>
+          </a:p>
+        </p:txBody>
+      </p:sp>
+      <p:sp>
+        <p:nvSpPr>
+          <p:cNvPr id="35" name="TextBox 34">
+            <a:extLst>
+              <a:ext uri="{FF2B5EF4-FFF2-40B4-BE49-F238E27FC236}">
+                <a16:creationId xmlns:a16="http://schemas.microsoft.com/office/drawing/2014/main" id="{4175A04E-46D2-7622-CDF2-E196CB68B6BE}"/>
               </a:ext>
             </a:extLst>
           </p:cNvPr>
@@ -4904,18 +5705,13 @@
         </p:nvSpPr>
         <p:spPr>
           <a:xfrm>
-            <a:off x="3244883" y="3651148"/>
-            <a:ext cx="2308424" cy="923330"/>
+            <a:off x="6903353" y="1286035"/>
+            <a:ext cx="1555095" cy="830997"/>
           </a:xfrm>
           <a:prstGeom prst="rect">
             <a:avLst/>
           </a:prstGeom>
-          <a:solidFill>
-            <a:schemeClr val="tx2">
-              <a:lumMod val="50000"/>
-              <a:lumOff val="50000"/>
-            </a:schemeClr>
-          </a:solidFill>
+          <a:noFill/>
         </p:spPr>
         <p:txBody>
           <a:bodyPr wrap="square" rtlCol="0">
@@ -4924,18 +5720,29 @@
           <a:lstStyle/>
           <a:p>
             <a:r>
-              <a:rPr lang="en-US" dirty="0"/>
-              <a:t>5. Quota transfers facilitate rapid adaptation</a:t>
-            </a:r>
-          </a:p>
-        </p:txBody>
-      </p:sp>
-      <p:sp>
-        <p:nvSpPr>
-          <p:cNvPr id="11" name="TextBox 10">
-            <a:extLst>
-              <a:ext uri="{FF2B5EF4-FFF2-40B4-BE49-F238E27FC236}">
-                <a16:creationId xmlns:a16="http://schemas.microsoft.com/office/drawing/2014/main" id="{05A4582C-FD8D-7409-FA87-3E0246BDA2DE}"/>
+              <a:rPr lang="en-US" sz="1600" b="0" i="0" u="none" strike="noStrike" dirty="0">
+                <a:solidFill>
+                  <a:srgbClr val="C66431"/>
+                </a:solidFill>
+                <a:effectLst/>
+                <a:latin typeface="Arial" panose="020B0604020202020204" pitchFamily="34" charset="0"/>
+              </a:rPr>
+              <a:t>Identify performance indicators</a:t>
+            </a:r>
+            <a:endParaRPr lang="en-US" sz="1600" dirty="0">
+              <a:solidFill>
+                <a:srgbClr val="C66431"/>
+              </a:solidFill>
+            </a:endParaRPr>
+          </a:p>
+        </p:txBody>
+      </p:sp>
+      <p:sp>
+        <p:nvSpPr>
+          <p:cNvPr id="36" name="TextBox 35">
+            <a:extLst>
+              <a:ext uri="{FF2B5EF4-FFF2-40B4-BE49-F238E27FC236}">
+                <a16:creationId xmlns:a16="http://schemas.microsoft.com/office/drawing/2014/main" id="{9C732998-CD76-226F-87BE-49D4D1908EF4}"/>
               </a:ext>
             </a:extLst>
           </p:cNvPr>
@@ -4944,18 +5751,13 @@
         </p:nvSpPr>
         <p:spPr>
           <a:xfrm>
-            <a:off x="8961559" y="2996143"/>
-            <a:ext cx="2961734" cy="646331"/>
+            <a:off x="7489082" y="2350440"/>
+            <a:ext cx="1555095" cy="830997"/>
           </a:xfrm>
           <a:prstGeom prst="rect">
             <a:avLst/>
           </a:prstGeom>
-          <a:solidFill>
-            <a:schemeClr val="tx2">
-              <a:lumMod val="50000"/>
-              <a:lumOff val="50000"/>
-            </a:schemeClr>
-          </a:solidFill>
+          <a:noFill/>
         </p:spPr>
         <p:txBody>
           <a:bodyPr wrap="square" rtlCol="0">
@@ -4964,18 +5766,29 @@
           <a:lstStyle/>
           <a:p>
             <a:r>
-              <a:rPr lang="en-US" dirty="0"/>
-              <a:t>6. Ensure opportunities for new entrants</a:t>
-            </a:r>
-          </a:p>
-        </p:txBody>
-      </p:sp>
-      <p:sp>
-        <p:nvSpPr>
-          <p:cNvPr id="12" name="TextBox 11">
-            <a:extLst>
-              <a:ext uri="{FF2B5EF4-FFF2-40B4-BE49-F238E27FC236}">
-                <a16:creationId xmlns:a16="http://schemas.microsoft.com/office/drawing/2014/main" id="{1F8AAE9F-B841-A43F-D356-1EB5DFCB65D1}"/>
+              <a:rPr lang="en-US" sz="1600" b="0" i="0" u="none" strike="noStrike" dirty="0">
+                <a:solidFill>
+                  <a:srgbClr val="C66431"/>
+                </a:solidFill>
+                <a:effectLst/>
+                <a:latin typeface="Arial" panose="020B0604020202020204" pitchFamily="34" charset="0"/>
+              </a:rPr>
+              <a:t>Develop management strategies</a:t>
+            </a:r>
+            <a:endParaRPr lang="en-US" sz="1600" dirty="0">
+              <a:solidFill>
+                <a:srgbClr val="C66431"/>
+              </a:solidFill>
+            </a:endParaRPr>
+          </a:p>
+        </p:txBody>
+      </p:sp>
+      <p:sp>
+        <p:nvSpPr>
+          <p:cNvPr id="37" name="TextBox 36">
+            <a:extLst>
+              <a:ext uri="{FF2B5EF4-FFF2-40B4-BE49-F238E27FC236}">
+                <a16:creationId xmlns:a16="http://schemas.microsoft.com/office/drawing/2014/main" id="{2215FBF8-E04F-9DFB-3803-29CF084051AB}"/>
               </a:ext>
             </a:extLst>
           </p:cNvPr>
@@ -4984,18 +5797,13 @@
         </p:nvSpPr>
         <p:spPr>
           <a:xfrm>
-            <a:off x="8094584" y="4730134"/>
-            <a:ext cx="2961734" cy="646331"/>
+            <a:off x="7367100" y="4219263"/>
+            <a:ext cx="1555095" cy="830997"/>
           </a:xfrm>
           <a:prstGeom prst="rect">
             <a:avLst/>
           </a:prstGeom>
-          <a:solidFill>
-            <a:schemeClr val="tx2">
-              <a:lumMod val="50000"/>
-              <a:lumOff val="50000"/>
-            </a:schemeClr>
-          </a:solidFill>
+          <a:noFill/>
         </p:spPr>
         <p:txBody>
           <a:bodyPr wrap="square" rtlCol="0">
@@ -5004,26 +5812,29 @@
           <a:lstStyle/>
           <a:p>
             <a:r>
-              <a:rPr lang="en-US" dirty="0"/>
-              <a:t>2. </a:t>
-            </a:r>
-            <a:r>
-              <a:rPr lang="en-US" i="1" dirty="0"/>
-              <a:t>Collect</a:t>
-            </a:r>
-            <a:r>
-              <a:rPr lang="en-US" dirty="0"/>
-              <a:t> data to assess/adjusts policies</a:t>
-            </a:r>
-          </a:p>
-        </p:txBody>
-      </p:sp>
-      <p:sp>
-        <p:nvSpPr>
-          <p:cNvPr id="13" name="TextBox 12">
-            <a:extLst>
-              <a:ext uri="{FF2B5EF4-FFF2-40B4-BE49-F238E27FC236}">
-                <a16:creationId xmlns:a16="http://schemas.microsoft.com/office/drawing/2014/main" id="{9997D321-BB2F-FBEF-4761-57DA5CBBE50B}"/>
+              <a:rPr lang="en-US" sz="1600" b="0" i="0" u="none" strike="noStrike" dirty="0">
+                <a:solidFill>
+                  <a:srgbClr val="923288"/>
+                </a:solidFill>
+                <a:effectLst/>
+                <a:latin typeface="Arial" panose="020B0604020202020204" pitchFamily="34" charset="0"/>
+              </a:rPr>
+              <a:t>Establish monitoring programs</a:t>
+            </a:r>
+            <a:endParaRPr lang="en-US" sz="1600" dirty="0">
+              <a:solidFill>
+                <a:srgbClr val="923288"/>
+              </a:solidFill>
+            </a:endParaRPr>
+          </a:p>
+        </p:txBody>
+      </p:sp>
+      <p:sp>
+        <p:nvSpPr>
+          <p:cNvPr id="38" name="TextBox 37">
+            <a:extLst>
+              <a:ext uri="{FF2B5EF4-FFF2-40B4-BE49-F238E27FC236}">
+                <a16:creationId xmlns:a16="http://schemas.microsoft.com/office/drawing/2014/main" id="{0EF05824-9ABD-F622-0C5C-D2A1506B3EC0}"/>
               </a:ext>
             </a:extLst>
           </p:cNvPr>
@@ -5032,18 +5843,13 @@
         </p:nvSpPr>
         <p:spPr>
           <a:xfrm>
-            <a:off x="8961559" y="3735328"/>
-            <a:ext cx="2961734" cy="369332"/>
+            <a:off x="6776205" y="5246250"/>
+            <a:ext cx="1555095" cy="830997"/>
           </a:xfrm>
           <a:prstGeom prst="rect">
             <a:avLst/>
           </a:prstGeom>
-          <a:solidFill>
-            <a:schemeClr val="tx2">
-              <a:lumMod val="50000"/>
-              <a:lumOff val="50000"/>
-            </a:schemeClr>
-          </a:solidFill>
+          <a:noFill/>
         </p:spPr>
         <p:txBody>
           <a:bodyPr wrap="square" rtlCol="0">
@@ -5052,18 +5858,29 @@
           <a:lstStyle/>
           <a:p>
             <a:r>
-              <a:rPr lang="en-US" dirty="0"/>
-              <a:t>7. Allocate for research</a:t>
-            </a:r>
-          </a:p>
-        </p:txBody>
-      </p:sp>
-      <p:sp>
-        <p:nvSpPr>
-          <p:cNvPr id="14" name="TextBox 13">
-            <a:extLst>
-              <a:ext uri="{FF2B5EF4-FFF2-40B4-BE49-F238E27FC236}">
-                <a16:creationId xmlns:a16="http://schemas.microsoft.com/office/drawing/2014/main" id="{BCF3F482-2B4F-5051-1AF8-DCFCAFA28C66}"/>
+              <a:rPr lang="en-US" sz="1600" b="0" i="0" u="none" strike="noStrike" dirty="0">
+                <a:solidFill>
+                  <a:srgbClr val="923288"/>
+                </a:solidFill>
+                <a:effectLst/>
+                <a:latin typeface="Arial" panose="020B0604020202020204" pitchFamily="34" charset="0"/>
+              </a:rPr>
+              <a:t>Implement management strategies</a:t>
+            </a:r>
+            <a:endParaRPr lang="en-US" sz="1600" dirty="0">
+              <a:solidFill>
+                <a:srgbClr val="923288"/>
+              </a:solidFill>
+            </a:endParaRPr>
+          </a:p>
+        </p:txBody>
+      </p:sp>
+      <p:sp>
+        <p:nvSpPr>
+          <p:cNvPr id="39" name="TextBox 38">
+            <a:extLst>
+              <a:ext uri="{FF2B5EF4-FFF2-40B4-BE49-F238E27FC236}">
+                <a16:creationId xmlns:a16="http://schemas.microsoft.com/office/drawing/2014/main" id="{22366DCD-75C2-F4DC-35D3-7B5DB6383F39}"/>
               </a:ext>
             </a:extLst>
           </p:cNvPr>
@@ -5072,18 +5889,13 @@
         </p:nvSpPr>
         <p:spPr>
           <a:xfrm>
-            <a:off x="5813198" y="5807654"/>
-            <a:ext cx="2961734" cy="369332"/>
+            <a:off x="2624410" y="5259647"/>
+            <a:ext cx="1555095" cy="584775"/>
           </a:xfrm>
           <a:prstGeom prst="rect">
             <a:avLst/>
           </a:prstGeom>
-          <a:solidFill>
-            <a:schemeClr val="tx2">
-              <a:lumMod val="50000"/>
-              <a:lumOff val="50000"/>
-            </a:schemeClr>
-          </a:solidFill>
+          <a:noFill/>
         </p:spPr>
         <p:txBody>
           <a:bodyPr wrap="square" rtlCol="0">
@@ -5092,16 +5904,165 @@
           <a:lstStyle/>
           <a:p>
             <a:r>
-              <a:rPr lang="en-US" dirty="0"/>
-              <a:t>8. Reduce impacts</a:t>
-            </a:r>
+              <a:rPr lang="en-US" sz="1600" b="0" i="0" u="none" strike="noStrike" dirty="0">
+                <a:solidFill>
+                  <a:srgbClr val="298DBB"/>
+                </a:solidFill>
+                <a:effectLst/>
+                <a:latin typeface="Arial" panose="020B0604020202020204" pitchFamily="34" charset="0"/>
+              </a:rPr>
+              <a:t>Evaluate effectiveness</a:t>
+            </a:r>
+            <a:endParaRPr lang="en-US" sz="1600" dirty="0">
+              <a:solidFill>
+                <a:srgbClr val="298DBB"/>
+              </a:solidFill>
+            </a:endParaRPr>
+          </a:p>
+        </p:txBody>
+      </p:sp>
+      <p:sp>
+        <p:nvSpPr>
+          <p:cNvPr id="40" name="TextBox 39">
+            <a:extLst>
+              <a:ext uri="{FF2B5EF4-FFF2-40B4-BE49-F238E27FC236}">
+                <a16:creationId xmlns:a16="http://schemas.microsoft.com/office/drawing/2014/main" id="{16CF6281-F599-E825-BF9F-A1E73F9CDF43}"/>
+              </a:ext>
+            </a:extLst>
+          </p:cNvPr>
+          <p:cNvSpPr txBox="1"/>
+          <p:nvPr/>
+        </p:nvSpPr>
+        <p:spPr>
+          <a:xfrm>
+            <a:off x="1341633" y="4279448"/>
+            <a:ext cx="2029963" cy="584775"/>
+          </a:xfrm>
+          <a:prstGeom prst="rect">
+            <a:avLst/>
+          </a:prstGeom>
+          <a:noFill/>
+        </p:spPr>
+        <p:txBody>
+          <a:bodyPr wrap="square" rtlCol="0">
+            <a:spAutoFit/>
+          </a:bodyPr>
+          <a:lstStyle/>
+          <a:p>
+            <a:r>
+              <a:rPr lang="en-US" sz="1600" b="0" i="0" u="none" strike="noStrike" dirty="0">
+                <a:solidFill>
+                  <a:srgbClr val="298DBB"/>
+                </a:solidFill>
+                <a:effectLst/>
+                <a:latin typeface="Arial" panose="020B0604020202020204" pitchFamily="34" charset="0"/>
+              </a:rPr>
+              <a:t>Report findings and recommendations</a:t>
+            </a:r>
+            <a:endParaRPr lang="en-US" sz="1600" dirty="0">
+              <a:solidFill>
+                <a:srgbClr val="298DBB"/>
+              </a:solidFill>
+            </a:endParaRPr>
+          </a:p>
+        </p:txBody>
+      </p:sp>
+      <p:sp>
+        <p:nvSpPr>
+          <p:cNvPr id="41" name="TextBox 40">
+            <a:extLst>
+              <a:ext uri="{FF2B5EF4-FFF2-40B4-BE49-F238E27FC236}">
+                <a16:creationId xmlns:a16="http://schemas.microsoft.com/office/drawing/2014/main" id="{C48B532D-7F38-AB62-1CEF-D9163D1F5EAA}"/>
+              </a:ext>
+            </a:extLst>
+          </p:cNvPr>
+          <p:cNvSpPr txBox="1"/>
+          <p:nvPr/>
+        </p:nvSpPr>
+        <p:spPr>
+          <a:xfrm>
+            <a:off x="1446042" y="1824644"/>
+            <a:ext cx="2029963" cy="584775"/>
+          </a:xfrm>
+          <a:prstGeom prst="rect">
+            <a:avLst/>
+          </a:prstGeom>
+          <a:noFill/>
+        </p:spPr>
+        <p:txBody>
+          <a:bodyPr wrap="square" rtlCol="0">
+            <a:spAutoFit/>
+          </a:bodyPr>
+          <a:lstStyle/>
+          <a:p>
+            <a:r>
+              <a:rPr lang="en-US" sz="1600" b="0" i="0" u="none" strike="noStrike" dirty="0">
+                <a:solidFill>
+                  <a:srgbClr val="298DBB"/>
+                </a:solidFill>
+                <a:effectLst/>
+                <a:latin typeface="Arial" panose="020B0604020202020204" pitchFamily="34" charset="0"/>
+              </a:rPr>
+              <a:t>Periodically review overall program </a:t>
+            </a:r>
+            <a:endParaRPr lang="en-US" sz="1600" dirty="0">
+              <a:solidFill>
+                <a:srgbClr val="298DBB"/>
+              </a:solidFill>
+            </a:endParaRPr>
+          </a:p>
+        </p:txBody>
+      </p:sp>
+      <p:sp>
+        <p:nvSpPr>
+          <p:cNvPr id="42" name="TextBox 41">
+            <a:extLst>
+              <a:ext uri="{FF2B5EF4-FFF2-40B4-BE49-F238E27FC236}">
+                <a16:creationId xmlns:a16="http://schemas.microsoft.com/office/drawing/2014/main" id="{9E74BF54-A3A0-A73B-13E2-3D8E4292DEAB}"/>
+              </a:ext>
+            </a:extLst>
+          </p:cNvPr>
+          <p:cNvSpPr txBox="1"/>
+          <p:nvPr/>
+        </p:nvSpPr>
+        <p:spPr>
+          <a:xfrm>
+            <a:off x="4433654" y="2018394"/>
+            <a:ext cx="2661155" cy="830997"/>
+          </a:xfrm>
+          <a:prstGeom prst="rect">
+            <a:avLst/>
+          </a:prstGeom>
+          <a:noFill/>
+        </p:spPr>
+        <p:txBody>
+          <a:bodyPr wrap="square" rtlCol="0">
+            <a:spAutoFit/>
+          </a:bodyPr>
+          <a:lstStyle/>
+          <a:p>
+            <a:r>
+              <a:rPr lang="en-US" sz="1600" b="0" i="0" u="none" strike="noStrike" dirty="0">
+                <a:solidFill>
+                  <a:srgbClr val="298DBB"/>
+                </a:solidFill>
+                <a:effectLst/>
+                <a:latin typeface="Arial" panose="020B0604020202020204" pitchFamily="34" charset="0"/>
+              </a:rPr>
+              <a:t>Adjust management strategies to increase effectiveness</a:t>
+            </a:r>
+            <a:endParaRPr lang="en-US" sz="1600" dirty="0">
+              <a:solidFill>
+                <a:srgbClr val="298DBB"/>
+              </a:solidFill>
+            </a:endParaRPr>
           </a:p>
         </p:txBody>
       </p:sp>
     </p:spTree>
     <p:extLst>
       <p:ext uri="{BB962C8B-B14F-4D97-AF65-F5344CB8AC3E}">
-        <p14:creationId xmlns:p14="http://schemas.microsoft.com/office/powerpoint/2010/main" val="1212656223"/>
+        <p14:creationId xmlns:p14="http://schemas.microsoft.com/office/powerpoint/2010/main" val="4245343066"/>
       </p:ext>
     </p:extLst>
   </p:cSld>
@@ -5130,55 +6091,414 @@
       </p:grpSpPr>
       <p:pic>
         <p:nvPicPr>
-          <p:cNvPr id="1026" name="Picture 2" descr="Adaptive Management | Reef Resilience">
-            <a:extLst>
-              <a:ext uri="{FF2B5EF4-FFF2-40B4-BE49-F238E27FC236}">
-                <a16:creationId xmlns:a16="http://schemas.microsoft.com/office/drawing/2014/main" id="{8A528E9C-1586-7208-AB03-9C59C3DF9C64}"/>
+          <p:cNvPr id="5" name="Picture 4" descr="Diagram of a diagram of steps to improve the performance of a plan&#10;&#10;Description automatically generated with medium confidence">
+            <a:extLst>
+              <a:ext uri="{FF2B5EF4-FFF2-40B4-BE49-F238E27FC236}">
+                <a16:creationId xmlns:a16="http://schemas.microsoft.com/office/drawing/2014/main" id="{DB7E1CB8-5C10-378B-55DE-9BAB24060742}"/>
               </a:ext>
             </a:extLst>
           </p:cNvPr>
           <p:cNvPicPr>
-            <a:picLocks noChangeAspect="1" noChangeArrowheads="1"/>
+            <a:picLocks noChangeAspect="1"/>
           </p:cNvPicPr>
           <p:nvPr/>
         </p:nvPicPr>
         <p:blipFill>
-          <a:blip r:embed="rId2">
-            <a:extLst>
-              <a:ext uri="{28A0092B-C50C-407E-A947-70E740481C1C}">
-                <a14:useLocalDpi xmlns:a14="http://schemas.microsoft.com/office/drawing/2010/main" val="0"/>
-              </a:ext>
-            </a:extLst>
-          </a:blip>
-          <a:srcRect/>
+          <a:blip r:embed="rId2"/>
           <a:stretch>
             <a:fillRect/>
           </a:stretch>
         </p:blipFill>
-        <p:spPr bwMode="auto">
-          <a:xfrm>
-            <a:off x="668338" y="0"/>
-            <a:ext cx="10853737" cy="6858000"/>
+        <p:spPr>
+          <a:xfrm>
+            <a:off x="938369" y="876197"/>
+            <a:ext cx="7974573" cy="5033949"/>
           </a:xfrm>
           <a:prstGeom prst="rect">
             <a:avLst/>
           </a:prstGeom>
-          <a:noFill/>
-          <a:extLst>
-            <a:ext uri="{909E8E84-426E-40DD-AFC4-6F175D3DCCD1}">
-              <a14:hiddenFill xmlns:a14="http://schemas.microsoft.com/office/drawing/2010/main">
-                <a:solidFill>
-                  <a:srgbClr val="FFFFFF"/>
-                </a:solidFill>
-              </a14:hiddenFill>
-            </a:ext>
-          </a:extLst>
         </p:spPr>
       </p:pic>
+      <p:sp>
+        <p:nvSpPr>
+          <p:cNvPr id="6" name="TextBox 5">
+            <a:extLst>
+              <a:ext uri="{FF2B5EF4-FFF2-40B4-BE49-F238E27FC236}">
+                <a16:creationId xmlns:a16="http://schemas.microsoft.com/office/drawing/2014/main" id="{4E9370DD-E838-62AD-A85A-8490A1EAF206}"/>
+              </a:ext>
+            </a:extLst>
+          </p:cNvPr>
+          <p:cNvSpPr txBox="1"/>
+          <p:nvPr/>
+        </p:nvSpPr>
+        <p:spPr>
+          <a:xfrm>
+            <a:off x="5235950" y="506865"/>
+            <a:ext cx="2139688" cy="369332"/>
+          </a:xfrm>
+          <a:prstGeom prst="rect">
+            <a:avLst/>
+          </a:prstGeom>
+          <a:solidFill>
+            <a:schemeClr val="tx2">
+              <a:lumMod val="50000"/>
+              <a:lumOff val="50000"/>
+            </a:schemeClr>
+          </a:solidFill>
+        </p:spPr>
+        <p:txBody>
+          <a:bodyPr wrap="none" rtlCol="0">
+            <a:spAutoFit/>
+          </a:bodyPr>
+          <a:lstStyle/>
+          <a:p>
+            <a:r>
+              <a:rPr lang="en-US" dirty="0"/>
+              <a:t>1. Define objectives</a:t>
+            </a:r>
+          </a:p>
+        </p:txBody>
+      </p:sp>
+      <p:sp>
+        <p:nvSpPr>
+          <p:cNvPr id="7" name="TextBox 6">
+            <a:extLst>
+              <a:ext uri="{FF2B5EF4-FFF2-40B4-BE49-F238E27FC236}">
+                <a16:creationId xmlns:a16="http://schemas.microsoft.com/office/drawing/2014/main" id="{1275690E-3D48-B8FF-EDDB-50F8BC2308EE}"/>
+              </a:ext>
+            </a:extLst>
+          </p:cNvPr>
+          <p:cNvSpPr txBox="1"/>
+          <p:nvPr/>
+        </p:nvSpPr>
+        <p:spPr>
+          <a:xfrm>
+            <a:off x="7609622" y="1412885"/>
+            <a:ext cx="2961734" cy="646331"/>
+          </a:xfrm>
+          <a:prstGeom prst="rect">
+            <a:avLst/>
+          </a:prstGeom>
+          <a:solidFill>
+            <a:schemeClr val="tx2">
+              <a:lumMod val="50000"/>
+              <a:lumOff val="50000"/>
+            </a:schemeClr>
+          </a:solidFill>
+        </p:spPr>
+        <p:txBody>
+          <a:bodyPr wrap="square" rtlCol="0">
+            <a:spAutoFit/>
+          </a:bodyPr>
+          <a:lstStyle/>
+          <a:p>
+            <a:r>
+              <a:rPr lang="en-US" dirty="0"/>
+              <a:t>2. </a:t>
+            </a:r>
+            <a:r>
+              <a:rPr lang="en-US" i="1" dirty="0"/>
+              <a:t>Define</a:t>
+            </a:r>
+            <a:r>
+              <a:rPr lang="en-US" dirty="0"/>
+              <a:t> data to assess/adjusts policies</a:t>
+            </a:r>
+          </a:p>
+        </p:txBody>
+      </p:sp>
+      <p:sp>
+        <p:nvSpPr>
+          <p:cNvPr id="8" name="TextBox 7">
+            <a:extLst>
+              <a:ext uri="{FF2B5EF4-FFF2-40B4-BE49-F238E27FC236}">
+                <a16:creationId xmlns:a16="http://schemas.microsoft.com/office/drawing/2014/main" id="{42FA3D6E-292B-C096-5404-38E648E3B3FA}"/>
+              </a:ext>
+            </a:extLst>
+          </p:cNvPr>
+          <p:cNvSpPr txBox="1"/>
+          <p:nvPr/>
+        </p:nvSpPr>
+        <p:spPr>
+          <a:xfrm>
+            <a:off x="112284" y="4360802"/>
+            <a:ext cx="2961734" cy="369332"/>
+          </a:xfrm>
+          <a:prstGeom prst="rect">
+            <a:avLst/>
+          </a:prstGeom>
+          <a:solidFill>
+            <a:schemeClr val="tx2">
+              <a:lumMod val="50000"/>
+              <a:lumOff val="50000"/>
+            </a:schemeClr>
+          </a:solidFill>
+        </p:spPr>
+        <p:txBody>
+          <a:bodyPr wrap="square" rtlCol="0">
+            <a:spAutoFit/>
+          </a:bodyPr>
+          <a:lstStyle/>
+          <a:p>
+            <a:r>
+              <a:rPr lang="en-US" dirty="0"/>
+              <a:t>3. Conduct regular reviews</a:t>
+            </a:r>
+          </a:p>
+        </p:txBody>
+      </p:sp>
+      <p:sp>
+        <p:nvSpPr>
+          <p:cNvPr id="9" name="TextBox 8">
+            <a:extLst>
+              <a:ext uri="{FF2B5EF4-FFF2-40B4-BE49-F238E27FC236}">
+                <a16:creationId xmlns:a16="http://schemas.microsoft.com/office/drawing/2014/main" id="{EBC0BFC1-661A-22AD-9EA7-24A2330261AB}"/>
+              </a:ext>
+            </a:extLst>
+          </p:cNvPr>
+          <p:cNvSpPr txBox="1"/>
+          <p:nvPr/>
+        </p:nvSpPr>
+        <p:spPr>
+          <a:xfrm>
+            <a:off x="8961559" y="2286489"/>
+            <a:ext cx="2961734" cy="646331"/>
+          </a:xfrm>
+          <a:prstGeom prst="rect">
+            <a:avLst/>
+          </a:prstGeom>
+          <a:solidFill>
+            <a:schemeClr val="tx2">
+              <a:lumMod val="50000"/>
+              <a:lumOff val="50000"/>
+            </a:schemeClr>
+          </a:solidFill>
+        </p:spPr>
+        <p:txBody>
+          <a:bodyPr wrap="square" rtlCol="0">
+            <a:spAutoFit/>
+          </a:bodyPr>
+          <a:lstStyle/>
+          <a:p>
+            <a:r>
+              <a:rPr lang="en-US" dirty="0"/>
+              <a:t>4. Balance historical and contemporary access</a:t>
+            </a:r>
+          </a:p>
+        </p:txBody>
+      </p:sp>
+      <p:sp>
+        <p:nvSpPr>
+          <p:cNvPr id="10" name="TextBox 9">
+            <a:extLst>
+              <a:ext uri="{FF2B5EF4-FFF2-40B4-BE49-F238E27FC236}">
+                <a16:creationId xmlns:a16="http://schemas.microsoft.com/office/drawing/2014/main" id="{15176DBB-9392-B515-D5B7-7D3EAF569B74}"/>
+              </a:ext>
+            </a:extLst>
+          </p:cNvPr>
+          <p:cNvSpPr txBox="1"/>
+          <p:nvPr/>
+        </p:nvSpPr>
+        <p:spPr>
+          <a:xfrm>
+            <a:off x="3244883" y="3651148"/>
+            <a:ext cx="2308424" cy="923330"/>
+          </a:xfrm>
+          <a:prstGeom prst="rect">
+            <a:avLst/>
+          </a:prstGeom>
+          <a:solidFill>
+            <a:schemeClr val="tx2">
+              <a:lumMod val="50000"/>
+              <a:lumOff val="50000"/>
+            </a:schemeClr>
+          </a:solidFill>
+        </p:spPr>
+        <p:txBody>
+          <a:bodyPr wrap="square" rtlCol="0">
+            <a:spAutoFit/>
+          </a:bodyPr>
+          <a:lstStyle/>
+          <a:p>
+            <a:r>
+              <a:rPr lang="en-US" dirty="0"/>
+              <a:t>5. Quota transfers facilitate rapid adaptation</a:t>
+            </a:r>
+          </a:p>
+        </p:txBody>
+      </p:sp>
+      <p:sp>
+        <p:nvSpPr>
+          <p:cNvPr id="11" name="TextBox 10">
+            <a:extLst>
+              <a:ext uri="{FF2B5EF4-FFF2-40B4-BE49-F238E27FC236}">
+                <a16:creationId xmlns:a16="http://schemas.microsoft.com/office/drawing/2014/main" id="{05A4582C-FD8D-7409-FA87-3E0246BDA2DE}"/>
+              </a:ext>
+            </a:extLst>
+          </p:cNvPr>
+          <p:cNvSpPr txBox="1"/>
+          <p:nvPr/>
+        </p:nvSpPr>
+        <p:spPr>
+          <a:xfrm>
+            <a:off x="8961559" y="2996143"/>
+            <a:ext cx="2961734" cy="646331"/>
+          </a:xfrm>
+          <a:prstGeom prst="rect">
+            <a:avLst/>
+          </a:prstGeom>
+          <a:solidFill>
+            <a:schemeClr val="tx2">
+              <a:lumMod val="50000"/>
+              <a:lumOff val="50000"/>
+            </a:schemeClr>
+          </a:solidFill>
+        </p:spPr>
+        <p:txBody>
+          <a:bodyPr wrap="square" rtlCol="0">
+            <a:spAutoFit/>
+          </a:bodyPr>
+          <a:lstStyle/>
+          <a:p>
+            <a:r>
+              <a:rPr lang="en-US" dirty="0"/>
+              <a:t>6. Ensure opportunities for new entrants</a:t>
+            </a:r>
+          </a:p>
+        </p:txBody>
+      </p:sp>
+      <p:sp>
+        <p:nvSpPr>
+          <p:cNvPr id="12" name="TextBox 11">
+            <a:extLst>
+              <a:ext uri="{FF2B5EF4-FFF2-40B4-BE49-F238E27FC236}">
+                <a16:creationId xmlns:a16="http://schemas.microsoft.com/office/drawing/2014/main" id="{1F8AAE9F-B841-A43F-D356-1EB5DFCB65D1}"/>
+              </a:ext>
+            </a:extLst>
+          </p:cNvPr>
+          <p:cNvSpPr txBox="1"/>
+          <p:nvPr/>
+        </p:nvSpPr>
+        <p:spPr>
+          <a:xfrm>
+            <a:off x="8094584" y="4730134"/>
+            <a:ext cx="2961734" cy="646331"/>
+          </a:xfrm>
+          <a:prstGeom prst="rect">
+            <a:avLst/>
+          </a:prstGeom>
+          <a:solidFill>
+            <a:schemeClr val="tx2">
+              <a:lumMod val="50000"/>
+              <a:lumOff val="50000"/>
+            </a:schemeClr>
+          </a:solidFill>
+        </p:spPr>
+        <p:txBody>
+          <a:bodyPr wrap="square" rtlCol="0">
+            <a:spAutoFit/>
+          </a:bodyPr>
+          <a:lstStyle/>
+          <a:p>
+            <a:r>
+              <a:rPr lang="en-US" dirty="0"/>
+              <a:t>2. </a:t>
+            </a:r>
+            <a:r>
+              <a:rPr lang="en-US" i="1" dirty="0"/>
+              <a:t>Collect</a:t>
+            </a:r>
+            <a:r>
+              <a:rPr lang="en-US" dirty="0"/>
+              <a:t> data to assess/adjusts policies</a:t>
+            </a:r>
+          </a:p>
+        </p:txBody>
+      </p:sp>
+      <p:sp>
+        <p:nvSpPr>
+          <p:cNvPr id="13" name="TextBox 12">
+            <a:extLst>
+              <a:ext uri="{FF2B5EF4-FFF2-40B4-BE49-F238E27FC236}">
+                <a16:creationId xmlns:a16="http://schemas.microsoft.com/office/drawing/2014/main" id="{9997D321-BB2F-FBEF-4761-57DA5CBBE50B}"/>
+              </a:ext>
+            </a:extLst>
+          </p:cNvPr>
+          <p:cNvSpPr txBox="1"/>
+          <p:nvPr/>
+        </p:nvSpPr>
+        <p:spPr>
+          <a:xfrm>
+            <a:off x="8961559" y="3735328"/>
+            <a:ext cx="2961734" cy="369332"/>
+          </a:xfrm>
+          <a:prstGeom prst="rect">
+            <a:avLst/>
+          </a:prstGeom>
+          <a:solidFill>
+            <a:schemeClr val="tx2">
+              <a:lumMod val="50000"/>
+              <a:lumOff val="50000"/>
+            </a:schemeClr>
+          </a:solidFill>
+        </p:spPr>
+        <p:txBody>
+          <a:bodyPr wrap="square" rtlCol="0">
+            <a:spAutoFit/>
+          </a:bodyPr>
+          <a:lstStyle/>
+          <a:p>
+            <a:r>
+              <a:rPr lang="en-US" dirty="0"/>
+              <a:t>7. Allocate for research</a:t>
+            </a:r>
+          </a:p>
+        </p:txBody>
+      </p:sp>
+      <p:sp>
+        <p:nvSpPr>
+          <p:cNvPr id="14" name="TextBox 13">
+            <a:extLst>
+              <a:ext uri="{FF2B5EF4-FFF2-40B4-BE49-F238E27FC236}">
+                <a16:creationId xmlns:a16="http://schemas.microsoft.com/office/drawing/2014/main" id="{BCF3F482-2B4F-5051-1AF8-DCFCAFA28C66}"/>
+              </a:ext>
+            </a:extLst>
+          </p:cNvPr>
+          <p:cNvSpPr txBox="1"/>
+          <p:nvPr/>
+        </p:nvSpPr>
+        <p:spPr>
+          <a:xfrm>
+            <a:off x="5813198" y="5807654"/>
+            <a:ext cx="2961734" cy="369332"/>
+          </a:xfrm>
+          <a:prstGeom prst="rect">
+            <a:avLst/>
+          </a:prstGeom>
+          <a:solidFill>
+            <a:schemeClr val="tx2">
+              <a:lumMod val="50000"/>
+              <a:lumOff val="50000"/>
+            </a:schemeClr>
+          </a:solidFill>
+        </p:spPr>
+        <p:txBody>
+          <a:bodyPr wrap="square" rtlCol="0">
+            <a:spAutoFit/>
+          </a:bodyPr>
+          <a:lstStyle/>
+          <a:p>
+            <a:r>
+              <a:rPr lang="en-US" dirty="0"/>
+              <a:t>8. Reduce impacts</a:t>
+            </a:r>
+          </a:p>
+        </p:txBody>
+      </p:sp>
     </p:spTree>
     <p:extLst>
       <p:ext uri="{BB962C8B-B14F-4D97-AF65-F5344CB8AC3E}">
-        <p14:creationId xmlns:p14="http://schemas.microsoft.com/office/powerpoint/2010/main" val="4274555131"/>
+        <p14:creationId xmlns:p14="http://schemas.microsoft.com/office/powerpoint/2010/main" val="1212656223"/>
       </p:ext>
     </p:extLst>
   </p:cSld>
@@ -5207,38 +6527,55 @@
       </p:grpSpPr>
       <p:pic>
         <p:nvPicPr>
-          <p:cNvPr id="3" name="Picture 2" descr="A diagram of a cycle of adaptive management&#10;&#10;Description automatically generated">
-            <a:extLst>
-              <a:ext uri="{FF2B5EF4-FFF2-40B4-BE49-F238E27FC236}">
-                <a16:creationId xmlns:a16="http://schemas.microsoft.com/office/drawing/2014/main" id="{34E6DAC5-51B6-94A2-2230-212CCB22AF2A}"/>
+          <p:cNvPr id="1026" name="Picture 2" descr="Adaptive Management | Reef Resilience">
+            <a:extLst>
+              <a:ext uri="{FF2B5EF4-FFF2-40B4-BE49-F238E27FC236}">
+                <a16:creationId xmlns:a16="http://schemas.microsoft.com/office/drawing/2014/main" id="{8A528E9C-1586-7208-AB03-9C59C3DF9C64}"/>
               </a:ext>
             </a:extLst>
           </p:cNvPr>
           <p:cNvPicPr>
-            <a:picLocks noChangeAspect="1"/>
+            <a:picLocks noChangeAspect="1" noChangeArrowheads="1"/>
           </p:cNvPicPr>
           <p:nvPr/>
         </p:nvPicPr>
         <p:blipFill>
-          <a:blip r:embed="rId2"/>
+          <a:blip r:embed="rId2">
+            <a:extLst>
+              <a:ext uri="{28A0092B-C50C-407E-A947-70E740481C1C}">
+                <a14:useLocalDpi xmlns:a14="http://schemas.microsoft.com/office/drawing/2010/main" val="0"/>
+              </a:ext>
+            </a:extLst>
+          </a:blip>
+          <a:srcRect/>
           <a:stretch>
             <a:fillRect/>
           </a:stretch>
         </p:blipFill>
-        <p:spPr>
-          <a:xfrm>
-            <a:off x="2371124" y="266144"/>
-            <a:ext cx="7772400" cy="6325712"/>
+        <p:spPr bwMode="auto">
+          <a:xfrm>
+            <a:off x="668338" y="0"/>
+            <a:ext cx="10853737" cy="6858000"/>
           </a:xfrm>
           <a:prstGeom prst="rect">
             <a:avLst/>
           </a:prstGeom>
+          <a:noFill/>
+          <a:extLst>
+            <a:ext uri="{909E8E84-426E-40DD-AFC4-6F175D3DCCD1}">
+              <a14:hiddenFill xmlns:a14="http://schemas.microsoft.com/office/drawing/2010/main">
+                <a:solidFill>
+                  <a:srgbClr val="FFFFFF"/>
+                </a:solidFill>
+              </a14:hiddenFill>
+            </a:ext>
+          </a:extLst>
         </p:spPr>
       </p:pic>
     </p:spTree>
     <p:extLst>
       <p:ext uri="{BB962C8B-B14F-4D97-AF65-F5344CB8AC3E}">
-        <p14:creationId xmlns:p14="http://schemas.microsoft.com/office/powerpoint/2010/main" val="549480166"/>
+        <p14:creationId xmlns:p14="http://schemas.microsoft.com/office/powerpoint/2010/main" val="4274555131"/>
       </p:ext>
     </p:extLst>
   </p:cSld>
@@ -5267,55 +6604,38 @@
       </p:grpSpPr>
       <p:pic>
         <p:nvPicPr>
-          <p:cNvPr id="3074" name="Picture 2" descr="ADAPTIVE MANAGEMENT FORUM, Part 2: The Practice of Adaptive Management  Planning ~ MAVEN'S NOTEBOOK | California Water News Central">
-            <a:extLst>
-              <a:ext uri="{FF2B5EF4-FFF2-40B4-BE49-F238E27FC236}">
-                <a16:creationId xmlns:a16="http://schemas.microsoft.com/office/drawing/2014/main" id="{866E87DF-9156-D3C8-8B02-F245D8B79C85}"/>
+          <p:cNvPr id="3" name="Picture 2" descr="A diagram of a cycle of adaptive management&#10;&#10;Description automatically generated">
+            <a:extLst>
+              <a:ext uri="{FF2B5EF4-FFF2-40B4-BE49-F238E27FC236}">
+                <a16:creationId xmlns:a16="http://schemas.microsoft.com/office/drawing/2014/main" id="{34E6DAC5-51B6-94A2-2230-212CCB22AF2A}"/>
               </a:ext>
             </a:extLst>
           </p:cNvPr>
           <p:cNvPicPr>
-            <a:picLocks noChangeAspect="1" noChangeArrowheads="1"/>
+            <a:picLocks noChangeAspect="1"/>
           </p:cNvPicPr>
           <p:nvPr/>
         </p:nvPicPr>
         <p:blipFill>
-          <a:blip r:embed="rId2">
-            <a:extLst>
-              <a:ext uri="{28A0092B-C50C-407E-A947-70E740481C1C}">
-                <a14:useLocalDpi xmlns:a14="http://schemas.microsoft.com/office/drawing/2010/main" val="0"/>
-              </a:ext>
-            </a:extLst>
-          </a:blip>
-          <a:srcRect/>
+          <a:blip r:embed="rId2"/>
           <a:stretch>
             <a:fillRect/>
           </a:stretch>
         </p:blipFill>
-        <p:spPr bwMode="auto">
-          <a:xfrm>
-            <a:off x="1498626" y="509634"/>
-            <a:ext cx="9844876" cy="5532820"/>
+        <p:spPr>
+          <a:xfrm>
+            <a:off x="2371124" y="266144"/>
+            <a:ext cx="7772400" cy="6325712"/>
           </a:xfrm>
           <a:prstGeom prst="rect">
             <a:avLst/>
           </a:prstGeom>
-          <a:noFill/>
-          <a:extLst>
-            <a:ext uri="{909E8E84-426E-40DD-AFC4-6F175D3DCCD1}">
-              <a14:hiddenFill xmlns:a14="http://schemas.microsoft.com/office/drawing/2010/main">
-                <a:solidFill>
-                  <a:srgbClr val="FFFFFF"/>
-                </a:solidFill>
-              </a14:hiddenFill>
-            </a:ext>
-          </a:extLst>
         </p:spPr>
       </p:pic>
     </p:spTree>
     <p:extLst>
       <p:ext uri="{BB962C8B-B14F-4D97-AF65-F5344CB8AC3E}">
-        <p14:creationId xmlns:p14="http://schemas.microsoft.com/office/powerpoint/2010/main" val="3320577294"/>
+        <p14:creationId xmlns:p14="http://schemas.microsoft.com/office/powerpoint/2010/main" val="549480166"/>
       </p:ext>
     </p:extLst>
   </p:cSld>
@@ -5344,6 +6664,83 @@
       </p:grpSpPr>
       <p:pic>
         <p:nvPicPr>
+          <p:cNvPr id="3074" name="Picture 2" descr="ADAPTIVE MANAGEMENT FORUM, Part 2: The Practice of Adaptive Management  Planning ~ MAVEN'S NOTEBOOK | California Water News Central">
+            <a:extLst>
+              <a:ext uri="{FF2B5EF4-FFF2-40B4-BE49-F238E27FC236}">
+                <a16:creationId xmlns:a16="http://schemas.microsoft.com/office/drawing/2014/main" id="{866E87DF-9156-D3C8-8B02-F245D8B79C85}"/>
+              </a:ext>
+            </a:extLst>
+          </p:cNvPr>
+          <p:cNvPicPr>
+            <a:picLocks noChangeAspect="1" noChangeArrowheads="1"/>
+          </p:cNvPicPr>
+          <p:nvPr/>
+        </p:nvPicPr>
+        <p:blipFill>
+          <a:blip r:embed="rId2">
+            <a:extLst>
+              <a:ext uri="{28A0092B-C50C-407E-A947-70E740481C1C}">
+                <a14:useLocalDpi xmlns:a14="http://schemas.microsoft.com/office/drawing/2010/main" val="0"/>
+              </a:ext>
+            </a:extLst>
+          </a:blip>
+          <a:srcRect/>
+          <a:stretch>
+            <a:fillRect/>
+          </a:stretch>
+        </p:blipFill>
+        <p:spPr bwMode="auto">
+          <a:xfrm>
+            <a:off x="1498626" y="509634"/>
+            <a:ext cx="9844876" cy="5532820"/>
+          </a:xfrm>
+          <a:prstGeom prst="rect">
+            <a:avLst/>
+          </a:prstGeom>
+          <a:noFill/>
+          <a:extLst>
+            <a:ext uri="{909E8E84-426E-40DD-AFC4-6F175D3DCCD1}">
+              <a14:hiddenFill xmlns:a14="http://schemas.microsoft.com/office/drawing/2010/main">
+                <a:solidFill>
+                  <a:srgbClr val="FFFFFF"/>
+                </a:solidFill>
+              </a14:hiddenFill>
+            </a:ext>
+          </a:extLst>
+        </p:spPr>
+      </p:pic>
+    </p:spTree>
+    <p:extLst>
+      <p:ext uri="{BB962C8B-B14F-4D97-AF65-F5344CB8AC3E}">
+        <p14:creationId xmlns:p14="http://schemas.microsoft.com/office/powerpoint/2010/main" val="3320577294"/>
+      </p:ext>
+    </p:extLst>
+  </p:cSld>
+  <p:clrMapOvr>
+    <a:masterClrMapping/>
+  </p:clrMapOvr>
+</p:sld>
+</file>
+
+<file path=ppt/slides/slide7.xml><?xml version="1.0" encoding="utf-8"?>
+<p:sld xmlns:a="http://schemas.openxmlformats.org/drawingml/2006/main" xmlns:r="http://schemas.openxmlformats.org/officeDocument/2006/relationships" xmlns:p="http://schemas.openxmlformats.org/presentationml/2006/main">
+  <p:cSld>
+    <p:spTree>
+      <p:nvGrpSpPr>
+        <p:cNvPr id="1" name=""/>
+        <p:cNvGrpSpPr/>
+        <p:nvPr/>
+      </p:nvGrpSpPr>
+      <p:grpSpPr>
+        <a:xfrm>
+          <a:off x="0" y="0"/>
+          <a:ext cx="0" cy="0"/>
+          <a:chOff x="0" y="0"/>
+          <a:chExt cx="0" cy="0"/>
+        </a:xfrm>
+      </p:grpSpPr>
+      <p:pic>
+        <p:nvPicPr>
           <p:cNvPr id="4098" name="Picture 2" descr="PDF] Adaptive management for a turbulent future. | Semantic Scholar">
             <a:extLst>
               <a:ext uri="{FF2B5EF4-FFF2-40B4-BE49-F238E27FC236}">
@@ -5402,7 +6799,7 @@
 </p:sld>
 </file>
 
-<file path=ppt/slides/slide7.xml><?xml version="1.0" encoding="utf-8"?>
+<file path=ppt/slides/slide8.xml><?xml version="1.0" encoding="utf-8"?>
 <p:sld xmlns:a="http://schemas.openxmlformats.org/drawingml/2006/main" xmlns:r="http://schemas.openxmlformats.org/officeDocument/2006/relationships" xmlns:p="http://schemas.openxmlformats.org/presentationml/2006/main">
   <p:cSld>
     <p:spTree>
